--- a/project_proposal/1288188_Sharmin_Akter.pptx
+++ b/project_proposal/1288188_Sharmin_Akter.pptx
@@ -290,7 +290,7 @@
           <a:p>
             <a:fld id="{872BFC85-49E4-447A-A7E3-16153CB2FE2A}" type="datetimeFigureOut">
               <a:rPr lang="en-US" smtClean="0"/>
-              <a:t>8/6/2025</a:t>
+              <a:t>8/8/2025</a:t>
             </a:fld>
             <a:endParaRPr lang="en-US" dirty="0"/>
           </a:p>
@@ -467,7 +467,7 @@
           <a:p>
             <a:fld id="{1071B50E-4C60-4F9E-B773-52059170945B}" type="datetimeFigureOut">
               <a:rPr lang="en-US" noProof="0" smtClean="0"/>
-              <a:t>8/6/2025</a:t>
+              <a:t>8/8/2025</a:t>
             </a:fld>
             <a:endParaRPr lang="en-US" noProof="0" dirty="0"/>
           </a:p>
@@ -13382,18 +13382,25 @@
   <p:clrMapOvr>
     <a:masterClrMapping/>
   </p:clrMapOvr>
-  <mc:AlternateContent xmlns:mc="http://schemas.openxmlformats.org/markup-compatibility/2006">
-    <mc:Choice xmlns:p14="http://schemas.microsoft.com/office/powerpoint/2010/main" Requires="p14">
+  <mc:AlternateContent xmlns:mc="http://schemas.openxmlformats.org/markup-compatibility/2006" xmlns:p14="http://schemas.microsoft.com/office/powerpoint/2010/main">
+    <mc:Choice Requires="p14">
       <p:transition spd="slow" p14:dur="3400">
         <p14:reveal/>
       </p:transition>
     </mc:Choice>
-    <mc:Fallback>
+    <mc:Fallback xmlns="">
       <p:transition spd="slow">
         <p:fade/>
       </p:transition>
     </mc:Fallback>
   </mc:AlternateContent>
+  <p:timing>
+    <p:tnLst>
+      <p:par>
+        <p:cTn id="1" dur="indefinite" restart="never" nodeType="tmRoot"/>
+      </p:par>
+    </p:tnLst>
+  </p:timing>
 </p:sld>
 </file>
 
@@ -13461,48 +13468,136 @@
         </p:nvSpPr>
         <p:spPr>
           <a:xfrm>
-            <a:off x="531378" y="2867224"/>
-            <a:ext cx="5767820" cy="3159435"/>
+            <a:off x="531378" y="2672649"/>
+            <a:ext cx="7097721" cy="3683701"/>
           </a:xfrm>
         </p:spPr>
         <p:txBody>
           <a:bodyPr>
-            <a:normAutofit lnSpcReduction="10000"/>
+            <a:noAutofit/>
           </a:bodyPr>
           <a:lstStyle/>
           <a:p>
-            <a:pPr lvl="0"/>
+            <a:pPr lvl="0">
+              <a:lnSpc>
+                <a:spcPct val="170000"/>
+              </a:lnSpc>
+              <a:buClr>
+                <a:schemeClr val="accent2">
+                  <a:lumMod val="50000"/>
+                </a:schemeClr>
+              </a:buClr>
+              <a:buFont typeface="Wingdings" panose="05000000000000000000" pitchFamily="2" charset="2"/>
+              <a:buChar char="v"/>
+            </a:pPr>
             <a:r>
-              <a:rPr lang="en-US" dirty="0"/>
-              <a:t>Centralized donation data for easier access and updates</a:t>
+              <a:rPr lang="en-US" sz="2200" dirty="0" smtClean="0"/>
+              <a:t> Centralized </a:t>
             </a:r>
-          </a:p>
-          <a:p>
-            <a:pPr lvl="0"/>
             <a:r>
-              <a:rPr lang="en-US" dirty="0"/>
-              <a:t>Improved donor engagement and retention</a:t>
+              <a:rPr lang="en-US" sz="2200" dirty="0"/>
+              <a:t>donation data for </a:t>
             </a:r>
-          </a:p>
-          <a:p>
-            <a:pPr lvl="0"/>
             <a:r>
-              <a:rPr lang="en-US" dirty="0"/>
-              <a:t>Enhanced transparency and audit readiness</a:t>
+              <a:rPr lang="en-US" sz="2200" dirty="0" smtClean="0"/>
+              <a:t>easier access </a:t>
             </a:r>
-          </a:p>
-          <a:p>
-            <a:pPr lvl="0"/>
             <a:r>
-              <a:rPr lang="en-US" dirty="0"/>
-              <a:t>Efficient campaign and event tracking</a:t>
+              <a:rPr lang="en-US" sz="2200" dirty="0"/>
+              <a:t>and updates</a:t>
             </a:r>
           </a:p>
           <a:p>
-            <a:pPr lvl="0"/>
+            <a:pPr lvl="0">
+              <a:lnSpc>
+                <a:spcPct val="170000"/>
+              </a:lnSpc>
+              <a:buClr>
+                <a:schemeClr val="accent2">
+                  <a:lumMod val="50000"/>
+                </a:schemeClr>
+              </a:buClr>
+              <a:buFont typeface="Wingdings" panose="05000000000000000000" pitchFamily="2" charset="2"/>
+              <a:buChar char="v"/>
+            </a:pPr>
             <a:r>
-              <a:rPr lang="en-US" dirty="0"/>
-              <a:t>Automated receipt and report generation</a:t>
+              <a:rPr lang="en-US" sz="2200" dirty="0" smtClean="0"/>
+              <a:t> Improved </a:t>
+            </a:r>
+            <a:r>
+              <a:rPr lang="en-US" sz="2200" dirty="0"/>
+              <a:t>donor engagement and </a:t>
+            </a:r>
+            <a:r>
+              <a:rPr lang="en-US" sz="2200" dirty="0" smtClean="0"/>
+              <a:t> retention</a:t>
+            </a:r>
+            <a:endParaRPr lang="en-US" sz="2200" dirty="0"/>
+          </a:p>
+          <a:p>
+            <a:pPr lvl="0">
+              <a:lnSpc>
+                <a:spcPct val="170000"/>
+              </a:lnSpc>
+              <a:buClr>
+                <a:schemeClr val="accent2">
+                  <a:lumMod val="50000"/>
+                </a:schemeClr>
+              </a:buClr>
+              <a:buFont typeface="Wingdings" panose="05000000000000000000" pitchFamily="2" charset="2"/>
+              <a:buChar char="v"/>
+            </a:pPr>
+            <a:r>
+              <a:rPr lang="en-US" sz="2200" dirty="0" smtClean="0"/>
+              <a:t> Enhanced </a:t>
+            </a:r>
+            <a:r>
+              <a:rPr lang="en-US" sz="2200" dirty="0"/>
+              <a:t>transparency and audit readiness</a:t>
+            </a:r>
+          </a:p>
+          <a:p>
+            <a:pPr lvl="0">
+              <a:lnSpc>
+                <a:spcPct val="170000"/>
+              </a:lnSpc>
+              <a:buClr>
+                <a:schemeClr val="accent2">
+                  <a:lumMod val="50000"/>
+                </a:schemeClr>
+              </a:buClr>
+              <a:buFont typeface="Wingdings" panose="05000000000000000000" pitchFamily="2" charset="2"/>
+              <a:buChar char="v"/>
+            </a:pPr>
+            <a:r>
+              <a:rPr lang="en-US" sz="2200" dirty="0" smtClean="0"/>
+              <a:t> Efficient </a:t>
+            </a:r>
+            <a:r>
+              <a:rPr lang="en-US" sz="2200" dirty="0"/>
+              <a:t>campaign and event tracking</a:t>
+            </a:r>
+          </a:p>
+          <a:p>
+            <a:pPr lvl="0">
+              <a:lnSpc>
+                <a:spcPct val="170000"/>
+              </a:lnSpc>
+              <a:buClr>
+                <a:schemeClr val="accent2">
+                  <a:lumMod val="50000"/>
+                </a:schemeClr>
+              </a:buClr>
+              <a:buFont typeface="Wingdings" panose="05000000000000000000" pitchFamily="2" charset="2"/>
+              <a:buChar char="v"/>
+            </a:pPr>
+            <a:r>
+              <a:rPr lang="en-US" sz="2200" dirty="0" smtClean="0"/>
+              <a:t> Automated </a:t>
+            </a:r>
+            <a:r>
+              <a:rPr lang="en-US" sz="2200" dirty="0"/>
+              <a:t>receipt and report generation</a:t>
             </a:r>
           </a:p>
         </p:txBody>
@@ -13570,13 +13665,13 @@
   <p:clrMapOvr>
     <a:masterClrMapping/>
   </p:clrMapOvr>
-  <mc:AlternateContent xmlns:mc="http://schemas.openxmlformats.org/markup-compatibility/2006">
-    <mc:Choice xmlns:p14="http://schemas.microsoft.com/office/powerpoint/2010/main" Requires="p14">
+  <mc:AlternateContent xmlns:mc="http://schemas.openxmlformats.org/markup-compatibility/2006" xmlns:p14="http://schemas.microsoft.com/office/powerpoint/2010/main">
+    <mc:Choice Requires="p14">
       <p:transition spd="slow" p14:dur="3400">
         <p14:reveal/>
       </p:transition>
     </mc:Choice>
-    <mc:Fallback>
+    <mc:Fallback xmlns="">
       <p:transition spd="slow">
         <p:fade/>
       </p:transition>
@@ -13925,18 +14020,25 @@
   <p:clrMapOvr>
     <a:masterClrMapping/>
   </p:clrMapOvr>
-  <mc:AlternateContent xmlns:mc="http://schemas.openxmlformats.org/markup-compatibility/2006">
-    <mc:Choice xmlns:p14="http://schemas.microsoft.com/office/powerpoint/2010/main" Requires="p14">
+  <mc:AlternateContent xmlns:mc="http://schemas.openxmlformats.org/markup-compatibility/2006" xmlns:p14="http://schemas.microsoft.com/office/powerpoint/2010/main">
+    <mc:Choice Requires="p14">
       <p:transition spd="slow" p14:dur="3400">
         <p14:reveal/>
       </p:transition>
     </mc:Choice>
-    <mc:Fallback>
+    <mc:Fallback xmlns="">
       <p:transition spd="slow">
         <p:fade/>
       </p:transition>
     </mc:Fallback>
   </mc:AlternateContent>
+  <p:timing>
+    <p:tnLst>
+      <p:par>
+        <p:cTn id="1" dur="indefinite" restart="never" nodeType="tmRoot"/>
+      </p:par>
+    </p:tnLst>
+  </p:timing>
 </p:sld>
 </file>
 
@@ -14259,18 +14361,25 @@
   <p:clrMapOvr>
     <a:masterClrMapping/>
   </p:clrMapOvr>
-  <mc:AlternateContent xmlns:mc="http://schemas.openxmlformats.org/markup-compatibility/2006">
-    <mc:Choice xmlns:p14="http://schemas.microsoft.com/office/powerpoint/2010/main" Requires="p14">
+  <mc:AlternateContent xmlns:mc="http://schemas.openxmlformats.org/markup-compatibility/2006" xmlns:p14="http://schemas.microsoft.com/office/powerpoint/2010/main">
+    <mc:Choice Requires="p14">
       <p:transition spd="slow" p14:dur="3400">
         <p14:reveal/>
       </p:transition>
     </mc:Choice>
-    <mc:Fallback>
+    <mc:Fallback xmlns="">
       <p:transition spd="slow">
         <p:fade/>
       </p:transition>
     </mc:Fallback>
   </mc:AlternateContent>
+  <p:timing>
+    <p:tnLst>
+      <p:par>
+        <p:cTn id="1" dur="indefinite" restart="never" nodeType="tmRoot"/>
+      </p:par>
+    </p:tnLst>
+  </p:timing>
 </p:sld>
 </file>
 
@@ -14338,17 +14447,20 @@
         </p:nvSpPr>
         <p:spPr>
           <a:xfrm>
-            <a:off x="531378" y="2867224"/>
-            <a:ext cx="5767820" cy="3159435"/>
+            <a:off x="531378" y="2713592"/>
+            <a:ext cx="5767820" cy="3642758"/>
           </a:xfrm>
         </p:spPr>
         <p:txBody>
           <a:bodyPr>
-            <a:normAutofit/>
+            <a:noAutofit/>
           </a:bodyPr>
           <a:lstStyle/>
           <a:p>
             <a:pPr lvl="0">
+              <a:lnSpc>
+                <a:spcPct val="150000"/>
+              </a:lnSpc>
               <a:buClr>
                 <a:schemeClr val="accent4">
                   <a:lumMod val="75000"/>
@@ -14358,12 +14470,15 @@
               <a:buChar char="q"/>
             </a:pPr>
             <a:r>
-              <a:rPr lang="en-US" dirty="0"/>
+              <a:rPr lang="en-US" sz="2200" dirty="0"/>
               <a:t> Add and manage donors and donations</a:t>
             </a:r>
           </a:p>
           <a:p>
             <a:pPr lvl="0">
+              <a:lnSpc>
+                <a:spcPct val="150000"/>
+              </a:lnSpc>
               <a:buClr>
                 <a:schemeClr val="accent4">
                   <a:lumMod val="75000"/>
@@ -14373,12 +14488,15 @@
               <a:buChar char="q"/>
             </a:pPr>
             <a:r>
-              <a:rPr lang="en-US" dirty="0"/>
+              <a:rPr lang="en-US" sz="2200" dirty="0"/>
               <a:t> Create and monitor donation campaigns</a:t>
             </a:r>
           </a:p>
           <a:p>
             <a:pPr lvl="0">
+              <a:lnSpc>
+                <a:spcPct val="150000"/>
+              </a:lnSpc>
               <a:buClr>
                 <a:schemeClr val="accent4">
                   <a:lumMod val="75000"/>
@@ -14388,12 +14506,15 @@
               <a:buChar char="q"/>
             </a:pPr>
             <a:r>
-              <a:rPr lang="en-US" dirty="0"/>
+              <a:rPr lang="en-US" sz="2200" dirty="0"/>
               <a:t> Role-based login and permissions</a:t>
             </a:r>
           </a:p>
           <a:p>
             <a:pPr lvl="0">
+              <a:lnSpc>
+                <a:spcPct val="150000"/>
+              </a:lnSpc>
               <a:buClr>
                 <a:schemeClr val="accent4">
                   <a:lumMod val="75000"/>
@@ -14403,12 +14524,15 @@
               <a:buChar char="q"/>
             </a:pPr>
             <a:r>
-              <a:rPr lang="en-US" dirty="0"/>
+              <a:rPr lang="en-US" sz="2200" dirty="0"/>
               <a:t> Export reports in Excel/PDF formats</a:t>
             </a:r>
           </a:p>
           <a:p>
             <a:pPr lvl="0">
+              <a:lnSpc>
+                <a:spcPct val="150000"/>
+              </a:lnSpc>
               <a:buClr>
                 <a:schemeClr val="accent4">
                   <a:lumMod val="75000"/>
@@ -14418,12 +14542,15 @@
               <a:buChar char="q"/>
             </a:pPr>
             <a:r>
-              <a:rPr lang="en-US" dirty="0"/>
+              <a:rPr lang="en-US" sz="2200" dirty="0"/>
               <a:t> Secure and user-friendly interface</a:t>
             </a:r>
           </a:p>
           <a:p>
             <a:pPr lvl="0">
+              <a:lnSpc>
+                <a:spcPct val="150000"/>
+              </a:lnSpc>
               <a:buClr>
                 <a:schemeClr val="accent4">
                   <a:lumMod val="75000"/>
@@ -14433,7 +14560,7 @@
               <a:buChar char="q"/>
             </a:pPr>
             <a:r>
-              <a:rPr lang="en-US" dirty="0"/>
+              <a:rPr lang="en-US" sz="2200" dirty="0"/>
               <a:t> Search and filter records easily</a:t>
             </a:r>
           </a:p>
@@ -14502,18 +14629,25 @@
   <p:clrMapOvr>
     <a:masterClrMapping/>
   </p:clrMapOvr>
-  <mc:AlternateContent xmlns:mc="http://schemas.openxmlformats.org/markup-compatibility/2006">
-    <mc:Choice xmlns:p14="http://schemas.microsoft.com/office/powerpoint/2010/main" Requires="p14">
+  <mc:AlternateContent xmlns:mc="http://schemas.openxmlformats.org/markup-compatibility/2006" xmlns:p14="http://schemas.microsoft.com/office/powerpoint/2010/main">
+    <mc:Choice Requires="p14">
       <p:transition spd="slow" p14:dur="3400">
         <p14:reveal/>
       </p:transition>
     </mc:Choice>
-    <mc:Fallback>
+    <mc:Fallback xmlns="">
       <p:transition spd="slow">
         <p:fade/>
       </p:transition>
     </mc:Fallback>
   </mc:AlternateContent>
+  <p:timing>
+    <p:tnLst>
+      <p:par>
+        <p:cTn id="1" dur="indefinite" restart="never" nodeType="tmRoot"/>
+      </p:par>
+    </p:tnLst>
+  </p:timing>
 </p:sld>
 </file>
 
@@ -14598,6 +14732,9 @@
           <a:lstStyle/>
           <a:p>
             <a:pPr lvl="0">
+              <a:lnSpc>
+                <a:spcPct val="150000"/>
+              </a:lnSpc>
               <a:buClr>
                 <a:schemeClr val="accent4">
                   <a:lumMod val="75000"/>
@@ -14613,6 +14750,9 @@
           </a:p>
           <a:p>
             <a:pPr lvl="0">
+              <a:lnSpc>
+                <a:spcPct val="150000"/>
+              </a:lnSpc>
               <a:buClr>
                 <a:schemeClr val="accent4">
                   <a:lumMod val="75000"/>
@@ -14628,6 +14768,9 @@
           </a:p>
           <a:p>
             <a:pPr lvl="0">
+              <a:lnSpc>
+                <a:spcPct val="150000"/>
+              </a:lnSpc>
               <a:buClr>
                 <a:schemeClr val="accent4">
                   <a:lumMod val="75000"/>
@@ -14643,6 +14786,9 @@
           </a:p>
           <a:p>
             <a:pPr lvl="0">
+              <a:lnSpc>
+                <a:spcPct val="150000"/>
+              </a:lnSpc>
               <a:buClr>
                 <a:schemeClr val="accent4">
                   <a:lumMod val="75000"/>
@@ -14721,18 +14867,25 @@
   <p:clrMapOvr>
     <a:masterClrMapping/>
   </p:clrMapOvr>
-  <mc:AlternateContent xmlns:mc="http://schemas.openxmlformats.org/markup-compatibility/2006">
-    <mc:Choice xmlns:p14="http://schemas.microsoft.com/office/powerpoint/2010/main" Requires="p14">
+  <mc:AlternateContent xmlns:mc="http://schemas.openxmlformats.org/markup-compatibility/2006" xmlns:p14="http://schemas.microsoft.com/office/powerpoint/2010/main">
+    <mc:Choice Requires="p14">
       <p:transition spd="slow" p14:dur="3400">
         <p14:reveal/>
       </p:transition>
     </mc:Choice>
-    <mc:Fallback>
+    <mc:Fallback xmlns="">
       <p:transition spd="slow">
         <p:fade/>
       </p:transition>
     </mc:Fallback>
   </mc:AlternateContent>
+  <p:timing>
+    <p:tnLst>
+      <p:par>
+        <p:cTn id="1" dur="indefinite" restart="never" nodeType="tmRoot"/>
+      </p:par>
+    </p:tnLst>
+  </p:timing>
 </p:sld>
 </file>
 
@@ -14773,87 +14926,141 @@
           <a:bodyPr/>
           <a:lstStyle/>
           <a:p>
+            <a:pPr marL="342900" indent="-342900">
+              <a:lnSpc>
+                <a:spcPct val="150000"/>
+              </a:lnSpc>
+              <a:buFont typeface="Wingdings" panose="05000000000000000000" pitchFamily="2" charset="2"/>
+              <a:buChar char="ü"/>
+            </a:pPr>
             <a:r>
-              <a:rPr lang="en-US" b="1" dirty="0"/>
+              <a:rPr lang="en-US" sz="2200" b="1" dirty="0"/>
               <a:t>Frontend:</a:t>
             </a:r>
             <a:r>
-              <a:rPr lang="en-US" dirty="0"/>
-              <a:t> HTML, CSS, JavaScript,Bootstrap5</a:t>
+              <a:rPr lang="en-US" sz="2200" dirty="0"/>
+              <a:t> HTML, CSS, </a:t>
             </a:r>
-          </a:p>
-          <a:p>
             <a:r>
-              <a:rPr lang="en-US" b="1" dirty="0"/>
+              <a:rPr lang="en-US" sz="2200" dirty="0" smtClean="0"/>
+              <a:t>JavaScript,Bootstrap5,JQuery</a:t>
+            </a:r>
+            <a:endParaRPr lang="en-US" sz="2200" dirty="0"/>
+          </a:p>
+          <a:p>
+            <a:pPr marL="342900" indent="-342900">
+              <a:lnSpc>
+                <a:spcPct val="150000"/>
+              </a:lnSpc>
+              <a:buFont typeface="Wingdings" panose="05000000000000000000" pitchFamily="2" charset="2"/>
+              <a:buChar char="ü"/>
+            </a:pPr>
+            <a:r>
+              <a:rPr lang="en-US" sz="2200" b="1" dirty="0"/>
               <a:t>Backend:</a:t>
             </a:r>
             <a:r>
-              <a:rPr lang="en-US" dirty="0"/>
+              <a:rPr lang="en-US" sz="2200" dirty="0"/>
               <a:t> PHP </a:t>
             </a:r>
           </a:p>
           <a:p>
+            <a:pPr marL="342900" indent="-342900">
+              <a:lnSpc>
+                <a:spcPct val="150000"/>
+              </a:lnSpc>
+              <a:buFont typeface="Wingdings" panose="05000000000000000000" pitchFamily="2" charset="2"/>
+              <a:buChar char="ü"/>
+            </a:pPr>
             <a:r>
-              <a:rPr lang="en-US" b="1" dirty="0"/>
+              <a:rPr lang="en-US" sz="2200" b="1" dirty="0"/>
               <a:t>Database:</a:t>
             </a:r>
             <a:r>
-              <a:rPr lang="en-US" dirty="0"/>
+              <a:rPr lang="en-US" sz="2200" dirty="0"/>
               <a:t> MySQL / </a:t>
             </a:r>
             <a:r>
-              <a:rPr lang="en-US" dirty="0" err="1"/>
+              <a:rPr lang="en-US" sz="2200" dirty="0" err="1"/>
               <a:t>MariaDB</a:t>
             </a:r>
-            <a:endParaRPr lang="en-US" dirty="0"/>
-          </a:p>
-          <a:p>
+            <a:endParaRPr lang="en-US" sz="2200" dirty="0"/>
+          </a:p>
+          <a:p>
+            <a:pPr marL="342900" indent="-342900">
+              <a:lnSpc>
+                <a:spcPct val="150000"/>
+              </a:lnSpc>
+              <a:buFont typeface="Wingdings" panose="05000000000000000000" pitchFamily="2" charset="2"/>
+              <a:buChar char="ü"/>
+            </a:pPr>
             <a:r>
-              <a:rPr lang="en-US" b="1" dirty="0"/>
+              <a:rPr lang="en-US" sz="2200" b="1" dirty="0"/>
               <a:t>Server:</a:t>
             </a:r>
             <a:r>
-              <a:rPr lang="en-US" dirty="0"/>
+              <a:rPr lang="en-US" sz="2200" dirty="0"/>
               <a:t> Apache / XAMPP</a:t>
             </a:r>
           </a:p>
           <a:p>
+            <a:pPr marL="342900" indent="-342900">
+              <a:lnSpc>
+                <a:spcPct val="150000"/>
+              </a:lnSpc>
+              <a:buFont typeface="Wingdings" panose="05000000000000000000" pitchFamily="2" charset="2"/>
+              <a:buChar char="ü"/>
+            </a:pPr>
             <a:r>
-              <a:rPr lang="en-US" b="1" dirty="0"/>
+              <a:rPr lang="en-US" sz="2200" b="1" dirty="0"/>
               <a:t>Web Browser: </a:t>
             </a:r>
             <a:r>
-              <a:rPr lang="en-US" dirty="0"/>
+              <a:rPr lang="en-US" sz="2200" dirty="0"/>
               <a:t>Google Chrome, Firefox, Safari</a:t>
             </a:r>
           </a:p>
           <a:p>
+            <a:pPr marL="342900" indent="-342900">
+              <a:lnSpc>
+                <a:spcPct val="150000"/>
+              </a:lnSpc>
+              <a:buFont typeface="Wingdings" panose="05000000000000000000" pitchFamily="2" charset="2"/>
+              <a:buChar char="ü"/>
+            </a:pPr>
             <a:r>
-              <a:rPr lang="en-US" b="1" dirty="0"/>
+              <a:rPr lang="en-US" sz="2200" b="1" dirty="0"/>
               <a:t>Payment </a:t>
             </a:r>
             <a:r>
-              <a:rPr lang="en-US" b="1" dirty="0" err="1"/>
+              <a:rPr lang="en-US" sz="2200" b="1" dirty="0" err="1"/>
               <a:t>Gateways:</a:t>
             </a:r>
             <a:r>
-              <a:rPr lang="en-US" dirty="0" err="1"/>
+              <a:rPr lang="en-US" sz="2200" dirty="0" err="1"/>
               <a:t>PayPal</a:t>
             </a:r>
             <a:r>
-              <a:rPr lang="en-US" dirty="0"/>
+              <a:rPr lang="en-US" sz="2200" dirty="0"/>
               <a:t>, Stripe,  </a:t>
             </a:r>
             <a:r>
-              <a:rPr lang="en-US" dirty="0" err="1">
+              <a:rPr lang="en-US" sz="2200" dirty="0" err="1">
                 <a:hlinkClick r:id="rId2"/>
               </a:rPr>
               <a:t>Payoneer</a:t>
             </a:r>
-            <a:endParaRPr lang="en-US" dirty="0"/>
-          </a:p>
-          <a:p>
-            <a:endParaRPr lang="en-US" dirty="0"/>
+            <a:endParaRPr lang="en-US" sz="2200" dirty="0"/>
+          </a:p>
+          <a:p>
+            <a:pPr marL="342900" indent="-342900">
+              <a:lnSpc>
+                <a:spcPct val="150000"/>
+              </a:lnSpc>
+              <a:buFont typeface="Wingdings" panose="05000000000000000000" pitchFamily="2" charset="2"/>
+              <a:buChar char="ü"/>
+            </a:pPr>
+            <a:endParaRPr lang="en-US" sz="2200" dirty="0"/>
           </a:p>
         </p:txBody>
       </p:sp>
@@ -14896,18 +15103,25 @@
   <p:clrMapOvr>
     <a:masterClrMapping/>
   </p:clrMapOvr>
-  <mc:AlternateContent xmlns:mc="http://schemas.openxmlformats.org/markup-compatibility/2006">
-    <mc:Choice xmlns:p14="http://schemas.microsoft.com/office/powerpoint/2010/main" Requires="p14">
+  <mc:AlternateContent xmlns:mc="http://schemas.openxmlformats.org/markup-compatibility/2006" xmlns:p14="http://schemas.microsoft.com/office/powerpoint/2010/main">
+    <mc:Choice Requires="p14">
       <p:transition spd="slow" p14:dur="3400">
         <p14:reveal/>
       </p:transition>
     </mc:Choice>
-    <mc:Fallback>
+    <mc:Fallback xmlns="">
       <p:transition spd="slow">
         <p:fade/>
       </p:transition>
     </mc:Fallback>
   </mc:AlternateContent>
+  <p:timing>
+    <p:tnLst>
+      <p:par>
+        <p:cTn id="1" dur="indefinite" restart="never" nodeType="tmRoot"/>
+      </p:par>
+    </p:tnLst>
+  </p:timing>
 </p:sld>
 </file>
 
@@ -16375,7 +16589,7 @@
                         </a:spcAft>
                       </a:pPr>
                       <a:r>
-                        <a:rPr lang="en-US" sz="1900" b="1" i="0" u="none" strike="noStrike">
+                        <a:rPr lang="en-US" sz="1900" b="1" i="0" u="none" strike="noStrike" dirty="0">
                           <a:solidFill>
                             <a:srgbClr val="3F3F3F"/>
                           </a:solidFill>
@@ -16384,7 +16598,7 @@
                         </a:rPr>
                         <a:t>Implementation</a:t>
                       </a:r>
-                      <a:endParaRPr lang="en-US" sz="1700">
+                      <a:endParaRPr lang="en-US" sz="1700" dirty="0">
                         <a:effectLst/>
                       </a:endParaRPr>
                     </a:p>
@@ -18564,18 +18778,25 @@
   <p:clrMapOvr>
     <a:masterClrMapping/>
   </p:clrMapOvr>
-  <mc:AlternateContent xmlns:mc="http://schemas.openxmlformats.org/markup-compatibility/2006">
-    <mc:Choice xmlns:p14="http://schemas.microsoft.com/office/powerpoint/2010/main" Requires="p14">
+  <mc:AlternateContent xmlns:mc="http://schemas.openxmlformats.org/markup-compatibility/2006" xmlns:p14="http://schemas.microsoft.com/office/powerpoint/2010/main">
+    <mc:Choice Requires="p14">
       <p:transition spd="slow" p14:dur="3400">
         <p14:reveal/>
       </p:transition>
     </mc:Choice>
-    <mc:Fallback>
+    <mc:Fallback xmlns="">
       <p:transition spd="slow">
         <p:fade/>
       </p:transition>
     </mc:Fallback>
   </mc:AlternateContent>
+  <p:timing>
+    <p:tnLst>
+      <p:par>
+        <p:cTn id="1" dur="indefinite" restart="never" nodeType="tmRoot"/>
+      </p:par>
+    </p:tnLst>
+  </p:timing>
 </p:sld>
 </file>
 
@@ -18598,16 +18819,16 @@
       </p:grpSpPr>
       <p:grpSp>
         <p:nvGrpSpPr>
-          <p:cNvPr id="101" name="Group 100"/>
+          <p:cNvPr id="13" name="Group 12"/>
           <p:cNvGrpSpPr/>
           <p:nvPr/>
         </p:nvGrpSpPr>
         <p:grpSpPr>
           <a:xfrm>
             <a:off x="446108" y="131656"/>
-            <a:ext cx="11299784" cy="5641347"/>
-            <a:chOff x="237684" y="63417"/>
-            <a:chExt cx="11409803" cy="6446562"/>
+            <a:ext cx="11299784" cy="5717547"/>
+            <a:chOff x="446108" y="131656"/>
+            <a:chExt cx="11299784" cy="5717547"/>
           </a:xfrm>
         </p:grpSpPr>
         <p:sp>
@@ -18620,8 +18841,8 @@
           </p:nvSpPr>
           <p:spPr bwMode="auto">
             <a:xfrm>
-              <a:off x="1181100" y="1736560"/>
-              <a:ext cx="192157" cy="310201"/>
+              <a:off x="1380427" y="1653852"/>
+              <a:ext cx="190304" cy="307777"/>
             </a:xfrm>
             <a:prstGeom prst="rect">
               <a:avLst/>
@@ -18669,7 +18890,7 @@
             </a:bodyPr>
             <a:lstStyle/>
             <a:p>
-              <a:endParaRPr lang="en-US" sz="1400"/>
+              <a:endParaRPr lang="en-US" sz="1400" b="1"/>
             </a:p>
           </p:txBody>
         </p:sp>
@@ -18681,12 +18902,15 @@
           </p:nvSpPr>
           <p:spPr>
             <a:xfrm>
-              <a:off x="5204011" y="63417"/>
-              <a:ext cx="1230908" cy="309721"/>
+              <a:off x="5364547" y="131656"/>
+              <a:ext cx="1219039" cy="271035"/>
             </a:xfrm>
             <a:prstGeom prst="flowChartTerminator">
               <a:avLst/>
             </a:prstGeom>
+            <a:solidFill>
+              <a:srgbClr val="00B050"/>
+            </a:solidFill>
           </p:spPr>
           <p:style>
             <a:lnRef idx="2">
@@ -18708,7 +18932,11 @@
             <a:p>
               <a:pPr algn="ctr"/>
               <a:r>
-                <a:rPr lang="en-US" sz="1400" dirty="0"/>
+                <a:rPr lang="en-US" sz="1400" b="1" dirty="0">
+                  <a:solidFill>
+                    <a:schemeClr val="bg1"/>
+                  </a:solidFill>
+                </a:rPr>
                 <a:t>start</a:t>
               </a:r>
             </a:p>
@@ -18722,8 +18950,8 @@
           </p:nvSpPr>
           <p:spPr>
             <a:xfrm>
-              <a:off x="5190564" y="658870"/>
-              <a:ext cx="1257803" cy="295204"/>
+              <a:off x="5351230" y="559559"/>
+              <a:ext cx="1245675" cy="351506"/>
             </a:xfrm>
             <a:prstGeom prst="roundRect">
               <a:avLst/>
@@ -18731,16 +18959,18 @@
           </p:spPr>
           <p:style>
             <a:lnRef idx="2">
-              <a:schemeClr val="accent6"/>
+              <a:schemeClr val="accent2">
+                <a:shade val="50000"/>
+              </a:schemeClr>
             </a:lnRef>
             <a:fillRef idx="1">
-              <a:schemeClr val="lt1"/>
+              <a:schemeClr val="accent2"/>
             </a:fillRef>
             <a:effectRef idx="0">
-              <a:schemeClr val="accent6"/>
+              <a:schemeClr val="accent2"/>
             </a:effectRef>
             <a:fontRef idx="minor">
-              <a:schemeClr val="dk1"/>
+              <a:schemeClr val="lt1"/>
             </a:fontRef>
           </p:style>
           <p:txBody>
@@ -18749,7 +18979,7 @@
             <a:p>
               <a:pPr algn="ctr"/>
               <a:r>
-                <a:rPr lang="en-US" sz="1400" dirty="0"/>
+                <a:rPr lang="en-US" sz="1400" b="1" dirty="0"/>
                 <a:t>homepage</a:t>
               </a:r>
             </a:p>
@@ -18763,12 +18993,18 @@
           </p:nvSpPr>
           <p:spPr>
             <a:xfrm>
-              <a:off x="5266764" y="1248348"/>
-              <a:ext cx="1105403" cy="525453"/>
+              <a:off x="5426695" y="1078934"/>
+              <a:ext cx="1094744" cy="625670"/>
             </a:xfrm>
             <a:prstGeom prst="diamond">
               <a:avLst/>
             </a:prstGeom>
+            <a:solidFill>
+              <a:schemeClr val="accent6">
+                <a:lumMod val="40000"/>
+                <a:lumOff val="60000"/>
+              </a:schemeClr>
+            </a:solidFill>
           </p:spPr>
           <p:style>
             <a:lnRef idx="2">
@@ -18792,7 +19028,7 @@
             <a:p>
               <a:pPr algn="ctr"/>
               <a:r>
-                <a:rPr lang="en-US" sz="1400" dirty="0"/>
+                <a:rPr lang="en-US" sz="1400" b="1" dirty="0"/>
                 <a:t>login</a:t>
               </a:r>
             </a:p>
@@ -18806,8 +19042,8 @@
           </p:nvSpPr>
           <p:spPr>
             <a:xfrm>
-              <a:off x="792275" y="2278595"/>
-              <a:ext cx="969806" cy="343342"/>
+              <a:off x="995351" y="2152324"/>
+              <a:ext cx="960455" cy="300456"/>
             </a:xfrm>
             <a:prstGeom prst="roundRect">
               <a:avLst/>
@@ -18841,7 +19077,7 @@
             <a:p>
               <a:pPr algn="ctr"/>
               <a:r>
-                <a:rPr lang="en-US" sz="1400" dirty="0"/>
+                <a:rPr lang="en-US" sz="1400" b="1" dirty="0"/>
                 <a:t>Admin</a:t>
               </a:r>
             </a:p>
@@ -18855,8 +19091,8 @@
           </p:nvSpPr>
           <p:spPr>
             <a:xfrm>
-              <a:off x="2961302" y="2269241"/>
-              <a:ext cx="969806" cy="343342"/>
+              <a:off x="3143464" y="2163886"/>
+              <a:ext cx="960455" cy="300456"/>
             </a:xfrm>
             <a:prstGeom prst="roundRect">
               <a:avLst/>
@@ -18887,7 +19123,7 @@
             <a:p>
               <a:pPr algn="ctr"/>
               <a:r>
-                <a:rPr lang="en-US" sz="1400" dirty="0"/>
+                <a:rPr lang="en-US" sz="1400" b="1" dirty="0"/>
                 <a:t>Donor</a:t>
               </a:r>
             </a:p>
@@ -18901,8 +19137,8 @@
           </p:nvSpPr>
           <p:spPr>
             <a:xfrm>
-              <a:off x="5130329" y="2269241"/>
-              <a:ext cx="1230908" cy="334308"/>
+              <a:off x="5400739" y="2199825"/>
+              <a:ext cx="1219039" cy="292551"/>
             </a:xfrm>
             <a:prstGeom prst="roundRect">
               <a:avLst/>
@@ -18935,7 +19171,7 @@
             <a:p>
               <a:pPr algn="ctr"/>
               <a:r>
-                <a:rPr lang="en-US" sz="1400" dirty="0"/>
+                <a:rPr lang="en-US" sz="1400" b="1" dirty="0"/>
                 <a:t>Volunteer</a:t>
               </a:r>
             </a:p>
@@ -18949,8 +19185,8 @@
           </p:nvSpPr>
           <p:spPr>
             <a:xfrm>
-              <a:off x="7763606" y="2269241"/>
-              <a:ext cx="1871713" cy="334308"/>
+              <a:off x="7899461" y="2138159"/>
+              <a:ext cx="1853665" cy="292551"/>
             </a:xfrm>
             <a:prstGeom prst="roundRect">
               <a:avLst/>
@@ -18981,7 +19217,7 @@
             <a:p>
               <a:pPr algn="ctr"/>
               <a:r>
-                <a:rPr lang="en-US" sz="1400" dirty="0"/>
+                <a:rPr lang="en-US" sz="1400" b="1" dirty="0"/>
                 <a:t>Campaign Manager</a:t>
               </a:r>
             </a:p>
@@ -18995,8 +19231,8 @@
           </p:nvSpPr>
           <p:spPr>
             <a:xfrm>
-              <a:off x="10193735" y="2269242"/>
-              <a:ext cx="1398759" cy="343341"/>
+              <a:off x="10306158" y="2138160"/>
+              <a:ext cx="1385271" cy="300456"/>
             </a:xfrm>
             <a:prstGeom prst="roundRect">
               <a:avLst/>
@@ -19030,7 +19266,7 @@
             <a:p>
               <a:pPr algn="ctr"/>
               <a:r>
-                <a:rPr lang="en-US" sz="1400" dirty="0"/>
+                <a:rPr lang="en-US" sz="1400" b="1" dirty="0"/>
                 <a:t>Beneficiary</a:t>
               </a:r>
             </a:p>
@@ -19044,8 +19280,8 @@
           </p:nvSpPr>
           <p:spPr>
             <a:xfrm>
-              <a:off x="710681" y="2913090"/>
-              <a:ext cx="1132994" cy="584101"/>
+              <a:off x="914544" y="2706072"/>
+              <a:ext cx="1122069" cy="511143"/>
             </a:xfrm>
             <a:prstGeom prst="roundRect">
               <a:avLst/>
@@ -19079,7 +19315,7 @@
             <a:p>
               <a:pPr algn="ctr"/>
               <a:r>
-                <a:rPr lang="en-US" sz="1400" dirty="0"/>
+                <a:rPr lang="en-US" sz="1400" b="1" dirty="0"/>
                 <a:t>Check request</a:t>
               </a:r>
             </a:p>
@@ -19093,8 +19329,8 @@
           </p:nvSpPr>
           <p:spPr>
             <a:xfrm>
-              <a:off x="237684" y="3788345"/>
-              <a:ext cx="2030440" cy="522172"/>
+              <a:off x="446108" y="3470507"/>
+              <a:ext cx="2010861" cy="456950"/>
             </a:xfrm>
             <a:prstGeom prst="roundRect">
               <a:avLst/>
@@ -19128,7 +19364,7 @@
             <a:p>
               <a:pPr algn="ctr"/>
               <a:r>
-                <a:rPr lang="en-US" sz="1400" dirty="0"/>
+                <a:rPr lang="en-US" sz="1400" b="1" dirty="0"/>
                 <a:t>Communicate with donor &amp; volunteer</a:t>
               </a:r>
             </a:p>
@@ -19142,8 +19378,8 @@
           </p:nvSpPr>
           <p:spPr>
             <a:xfrm>
-              <a:off x="355341" y="4601671"/>
-              <a:ext cx="1843674" cy="533451"/>
+              <a:off x="562630" y="4180749"/>
+              <a:ext cx="1825896" cy="466820"/>
             </a:xfrm>
             <a:prstGeom prst="roundRect">
               <a:avLst/>
@@ -19177,7 +19413,7 @@
             <a:p>
               <a:pPr algn="ctr"/>
               <a:r>
-                <a:rPr lang="en-US" sz="1400" dirty="0"/>
+                <a:rPr lang="en-US" sz="1400" b="1" dirty="0"/>
                 <a:t>Manage donation</a:t>
               </a:r>
             </a:p>
@@ -19191,8 +19427,8 @@
           </p:nvSpPr>
           <p:spPr>
             <a:xfrm>
-              <a:off x="412375" y="5426275"/>
-              <a:ext cx="1745066" cy="518974"/>
+              <a:off x="619115" y="4900860"/>
+              <a:ext cx="1728239" cy="454151"/>
             </a:xfrm>
             <a:prstGeom prst="roundRect">
               <a:avLst/>
@@ -19226,7 +19462,7 @@
             <a:p>
               <a:pPr algn="ctr"/>
               <a:r>
-                <a:rPr lang="en-US" sz="1400" dirty="0"/>
+                <a:rPr lang="en-US" sz="1400" b="1" dirty="0"/>
                 <a:t>Maintain records</a:t>
               </a:r>
             </a:p>
@@ -19240,8 +19476,8 @@
           </p:nvSpPr>
           <p:spPr>
             <a:xfrm>
-              <a:off x="2647256" y="2916833"/>
-              <a:ext cx="1600285" cy="522172"/>
+              <a:off x="2832446" y="2616236"/>
+              <a:ext cx="1584854" cy="456950"/>
             </a:xfrm>
             <a:prstGeom prst="roundRect">
               <a:avLst/>
@@ -19272,7 +19508,7 @@
             <a:p>
               <a:pPr algn="ctr"/>
               <a:r>
-                <a:rPr lang="en-US" sz="1400" dirty="0"/>
+                <a:rPr lang="en-US" sz="1400" b="1" dirty="0"/>
                 <a:t>Select donation category</a:t>
               </a:r>
             </a:p>
@@ -19286,8 +19522,8 @@
           </p:nvSpPr>
           <p:spPr>
             <a:xfrm>
-              <a:off x="2754408" y="3762161"/>
-              <a:ext cx="1394096" cy="522172"/>
+              <a:off x="2938564" y="3376330"/>
+              <a:ext cx="1380653" cy="456950"/>
             </a:xfrm>
             <a:prstGeom prst="roundRect">
               <a:avLst/>
@@ -19318,7 +19554,7 @@
             <a:p>
               <a:pPr algn="ctr"/>
               <a:r>
-                <a:rPr lang="en-US" sz="1400" dirty="0"/>
+                <a:rPr lang="en-US" sz="1400" b="1" dirty="0"/>
                 <a:t>Enter item details</a:t>
               </a:r>
             </a:p>
@@ -19332,8 +19568,8 @@
           </p:nvSpPr>
           <p:spPr>
             <a:xfrm>
-              <a:off x="2754408" y="4607489"/>
-              <a:ext cx="1562353" cy="441411"/>
+              <a:off x="2938564" y="4136424"/>
+              <a:ext cx="1547288" cy="386276"/>
             </a:xfrm>
             <a:prstGeom prst="roundRect">
               <a:avLst/>
@@ -19364,7 +19600,7 @@
             <a:p>
               <a:pPr algn="ctr"/>
               <a:r>
-                <a:rPr lang="en-US" sz="1400" dirty="0"/>
+                <a:rPr lang="en-US" sz="1400" b="1" dirty="0"/>
                 <a:t>Request Admin</a:t>
               </a:r>
             </a:p>
@@ -19378,8 +19614,8 @@
           </p:nvSpPr>
           <p:spPr>
             <a:xfrm>
-              <a:off x="2721074" y="5372057"/>
-              <a:ext cx="1734669" cy="441411"/>
+              <a:off x="2905552" y="4825844"/>
+              <a:ext cx="1717942" cy="386276"/>
             </a:xfrm>
             <a:prstGeom prst="roundRect">
               <a:avLst/>
@@ -19410,7 +19646,7 @@
             <a:p>
               <a:pPr algn="ctr"/>
               <a:r>
-                <a:rPr lang="en-US" sz="1400" dirty="0"/>
+                <a:rPr lang="en-US" sz="1400" b="1" dirty="0"/>
                 <a:t>Make donation</a:t>
               </a:r>
             </a:p>
@@ -19424,8 +19660,8 @@
           </p:nvSpPr>
           <p:spPr>
             <a:xfrm>
-              <a:off x="5029256" y="2915177"/>
-              <a:ext cx="1556048" cy="522172"/>
+              <a:off x="5239736" y="2774716"/>
+              <a:ext cx="1541044" cy="456950"/>
             </a:xfrm>
             <a:prstGeom prst="roundRect">
               <a:avLst/>
@@ -19458,7 +19694,7 @@
             <a:p>
               <a:pPr algn="ctr"/>
               <a:r>
-                <a:rPr lang="en-US" sz="1400" dirty="0"/>
+                <a:rPr lang="en-US" sz="1400" b="1" dirty="0"/>
                 <a:t>Check donation request</a:t>
               </a:r>
             </a:p>
@@ -19472,8 +19708,8 @@
           </p:nvSpPr>
           <p:spPr>
             <a:xfrm>
-              <a:off x="4971193" y="3786789"/>
-              <a:ext cx="1748622" cy="522172"/>
+              <a:off x="5144378" y="3514006"/>
+              <a:ext cx="1731761" cy="456950"/>
             </a:xfrm>
             <a:prstGeom prst="roundRect">
               <a:avLst/>
@@ -19506,7 +19742,7 @@
             <a:p>
               <a:pPr algn="ctr"/>
               <a:r>
-                <a:rPr lang="en-US" sz="1400" dirty="0"/>
+                <a:rPr lang="en-US" sz="1400" b="1" dirty="0"/>
                 <a:t>Send the details to admin approval</a:t>
               </a:r>
             </a:p>
@@ -19520,8 +19756,8 @@
           </p:nvSpPr>
           <p:spPr>
             <a:xfrm>
-              <a:off x="4998726" y="4639494"/>
-              <a:ext cx="1740968" cy="522172"/>
+              <a:off x="5148168" y="4253297"/>
+              <a:ext cx="1724181" cy="456950"/>
             </a:xfrm>
             <a:prstGeom prst="roundRect">
               <a:avLst/>
@@ -19554,7 +19790,7 @@
             <a:p>
               <a:pPr algn="ctr"/>
               <a:r>
-                <a:rPr lang="en-US" sz="1400" dirty="0"/>
+                <a:rPr lang="en-US" sz="1400" b="1" dirty="0"/>
                 <a:t>Ensure donation</a:t>
               </a:r>
             </a:p>
@@ -19568,8 +19804,8 @@
           </p:nvSpPr>
           <p:spPr>
             <a:xfrm>
-              <a:off x="7983273" y="2907233"/>
-              <a:ext cx="1432375" cy="522172"/>
+              <a:off x="8117010" y="2696462"/>
+              <a:ext cx="1418563" cy="456950"/>
             </a:xfrm>
             <a:prstGeom prst="roundRect">
               <a:avLst/>
@@ -19600,7 +19836,7 @@
             <a:p>
               <a:pPr algn="ctr"/>
               <a:r>
-                <a:rPr lang="en-US" sz="1400" dirty="0"/>
+                <a:rPr lang="en-US" sz="1400" b="1" dirty="0"/>
                 <a:t>Make campaign</a:t>
               </a:r>
             </a:p>
@@ -19614,8 +19850,8 @@
           </p:nvSpPr>
           <p:spPr>
             <a:xfrm>
-              <a:off x="7763606" y="4558946"/>
-              <a:ext cx="1902231" cy="522172"/>
+              <a:off x="7899461" y="4141866"/>
+              <a:ext cx="1883889" cy="456950"/>
             </a:xfrm>
             <a:prstGeom prst="roundRect">
               <a:avLst/>
@@ -19646,7 +19882,7 @@
             <a:p>
               <a:pPr algn="ctr"/>
               <a:r>
-                <a:rPr lang="en-US" sz="1400" dirty="0"/>
+                <a:rPr lang="en-US" sz="1400" b="1" dirty="0"/>
                 <a:t>Distribute fund to different campaign</a:t>
               </a:r>
             </a:p>
@@ -19660,8 +19896,8 @@
           </p:nvSpPr>
           <p:spPr>
             <a:xfrm>
-              <a:off x="10335432" y="3766677"/>
-              <a:ext cx="1257062" cy="522172"/>
+              <a:off x="10446488" y="3448556"/>
+              <a:ext cx="1244941" cy="456950"/>
             </a:xfrm>
             <a:prstGeom prst="roundRect">
               <a:avLst/>
@@ -19695,7 +19931,7 @@
             <a:p>
               <a:pPr algn="ctr"/>
               <a:r>
-                <a:rPr lang="en-US" sz="1400" dirty="0"/>
+                <a:rPr lang="en-US" sz="1400" b="1" dirty="0"/>
                 <a:t>Get admin approval</a:t>
               </a:r>
             </a:p>
@@ -19709,8 +19945,8 @@
           </p:nvSpPr>
           <p:spPr>
             <a:xfrm>
-              <a:off x="10321036" y="2954977"/>
-              <a:ext cx="1261686" cy="522172"/>
+              <a:off x="10432231" y="2738242"/>
+              <a:ext cx="1249520" cy="456950"/>
             </a:xfrm>
             <a:prstGeom prst="roundRect">
               <a:avLst/>
@@ -19744,7 +19980,7 @@
             <a:p>
               <a:pPr algn="ctr"/>
               <a:r>
-                <a:rPr lang="en-US" sz="1400" dirty="0"/>
+                <a:rPr lang="en-US" sz="1400" b="1" dirty="0"/>
                 <a:t>Sent  request</a:t>
               </a:r>
             </a:p>
@@ -19758,8 +19994,8 @@
           </p:nvSpPr>
           <p:spPr>
             <a:xfrm>
-              <a:off x="8078808" y="3733089"/>
-              <a:ext cx="1241306" cy="522172"/>
+              <a:off x="8211624" y="3419164"/>
+              <a:ext cx="1229337" cy="456950"/>
             </a:xfrm>
             <a:prstGeom prst="roundRect">
               <a:avLst/>
@@ -19790,7 +20026,7 @@
             <a:p>
               <a:pPr algn="ctr"/>
               <a:r>
-                <a:rPr lang="en-US" sz="1400" dirty="0"/>
+                <a:rPr lang="en-US" sz="1400" b="1" dirty="0"/>
                 <a:t>Collect fund</a:t>
               </a:r>
             </a:p>
@@ -19804,8 +20040,8 @@
           </p:nvSpPr>
           <p:spPr>
             <a:xfrm>
-              <a:off x="10280439" y="4639494"/>
-              <a:ext cx="1367048" cy="522172"/>
+              <a:off x="10392026" y="4212353"/>
+              <a:ext cx="1353866" cy="456950"/>
             </a:xfrm>
             <a:prstGeom prst="roundRect">
               <a:avLst/>
@@ -19839,7 +20075,7 @@
             <a:p>
               <a:pPr algn="ctr"/>
               <a:r>
-                <a:rPr lang="en-US" sz="1400" dirty="0"/>
+                <a:rPr lang="en-US" sz="1400" b="1" dirty="0"/>
                 <a:t>Get donation</a:t>
               </a:r>
             </a:p>
@@ -19853,8 +20089,8 @@
           </p:nvSpPr>
           <p:spPr>
             <a:xfrm>
-              <a:off x="5266764" y="6114194"/>
-              <a:ext cx="1094473" cy="395785"/>
+              <a:off x="5426695" y="5502854"/>
+              <a:ext cx="1083920" cy="346349"/>
             </a:xfrm>
             <a:prstGeom prst="ellipse">
               <a:avLst/>
@@ -19885,7 +20121,7 @@
             <a:p>
               <a:pPr algn="ctr"/>
               <a:r>
-                <a:rPr lang="en-US" dirty="0"/>
+                <a:rPr lang="en-US" b="1" dirty="0"/>
                 <a:t>End</a:t>
               </a:r>
             </a:p>
@@ -19899,8 +20135,8 @@
           </p:nvSpPr>
           <p:spPr>
             <a:xfrm>
-              <a:off x="5746044" y="373138"/>
-              <a:ext cx="122830" cy="186417"/>
+              <a:off x="5901354" y="402691"/>
+              <a:ext cx="121646" cy="163132"/>
             </a:xfrm>
             <a:prstGeom prst="downArrow">
               <a:avLst/>
@@ -19927,7 +20163,7 @@
             <a:lstStyle/>
             <a:p>
               <a:pPr algn="ctr"/>
-              <a:endParaRPr lang="en-US"/>
+              <a:endParaRPr lang="en-US" b="1"/>
             </a:p>
           </p:txBody>
         </p:sp>
@@ -19939,8 +20175,8 @@
           </p:nvSpPr>
           <p:spPr>
             <a:xfrm>
-              <a:off x="5746044" y="988595"/>
-              <a:ext cx="122830" cy="186417"/>
+              <a:off x="5901354" y="882435"/>
+              <a:ext cx="121646" cy="221971"/>
             </a:xfrm>
             <a:prstGeom prst="downArrow">
               <a:avLst/>
@@ -19967,7 +20203,7 @@
             <a:lstStyle/>
             <a:p>
               <a:pPr algn="ctr"/>
-              <a:endParaRPr lang="en-US"/>
+              <a:endParaRPr lang="en-US" b="1"/>
             </a:p>
           </p:txBody>
         </p:sp>
@@ -19979,8 +20215,8 @@
           </p:nvSpPr>
           <p:spPr>
             <a:xfrm>
-              <a:off x="5746044" y="1813393"/>
-              <a:ext cx="122830" cy="186417"/>
+              <a:off x="5901354" y="1680410"/>
+              <a:ext cx="121646" cy="221971"/>
             </a:xfrm>
             <a:prstGeom prst="downArrow">
               <a:avLst/>
@@ -20007,7 +20243,7 @@
             <a:lstStyle/>
             <a:p>
               <a:pPr algn="ctr"/>
-              <a:endParaRPr lang="en-US"/>
+              <a:endParaRPr lang="en-US" b="1"/>
             </a:p>
           </p:txBody>
         </p:sp>
@@ -20019,8 +20255,8 @@
           </p:nvSpPr>
           <p:spPr>
             <a:xfrm>
-              <a:off x="1185597" y="2661510"/>
-              <a:ext cx="122830" cy="186417"/>
+              <a:off x="1384881" y="2497860"/>
+              <a:ext cx="121646" cy="163132"/>
             </a:xfrm>
             <a:prstGeom prst="downArrow">
               <a:avLst/>
@@ -20047,7 +20283,7 @@
             <a:lstStyle/>
             <a:p>
               <a:pPr algn="ctr"/>
-              <a:endParaRPr lang="en-US"/>
+              <a:endParaRPr lang="en-US" b="1"/>
             </a:p>
           </p:txBody>
         </p:sp>
@@ -20059,8 +20295,8 @@
           </p:nvSpPr>
           <p:spPr>
             <a:xfrm>
-              <a:off x="1185597" y="3523602"/>
-              <a:ext cx="122830" cy="186417"/>
+              <a:off x="1384881" y="3262295"/>
+              <a:ext cx="121646" cy="163132"/>
             </a:xfrm>
             <a:prstGeom prst="downArrow">
               <a:avLst/>
@@ -20087,7 +20323,7 @@
             <a:lstStyle/>
             <a:p>
               <a:pPr algn="ctr"/>
-              <a:endParaRPr lang="en-US"/>
+              <a:endParaRPr lang="en-US" b="1"/>
             </a:p>
           </p:txBody>
         </p:sp>
@@ -20099,8 +20335,8 @@
           </p:nvSpPr>
           <p:spPr>
             <a:xfrm>
-              <a:off x="1185597" y="4372038"/>
-              <a:ext cx="122830" cy="186417"/>
+              <a:off x="1384881" y="3972537"/>
+              <a:ext cx="121646" cy="163132"/>
             </a:xfrm>
             <a:prstGeom prst="downArrow">
               <a:avLst/>
@@ -20127,7 +20363,7 @@
             <a:lstStyle/>
             <a:p>
               <a:pPr algn="ctr"/>
-              <a:endParaRPr lang="en-US"/>
+              <a:endParaRPr lang="en-US" b="1"/>
             </a:p>
           </p:txBody>
         </p:sp>
@@ -20139,8 +20375,8 @@
           </p:nvSpPr>
           <p:spPr>
             <a:xfrm>
-              <a:off x="1185597" y="5193180"/>
-              <a:ext cx="122830" cy="186417"/>
+              <a:off x="1384881" y="4692649"/>
+              <a:ext cx="121646" cy="163132"/>
             </a:xfrm>
             <a:prstGeom prst="downArrow">
               <a:avLst/>
@@ -20167,7 +20403,7 @@
             <a:lstStyle/>
             <a:p>
               <a:pPr algn="ctr"/>
-              <a:endParaRPr lang="en-US"/>
+              <a:endParaRPr lang="en-US" b="1"/>
             </a:p>
           </p:txBody>
         </p:sp>
@@ -20179,8 +20415,8 @@
           </p:nvSpPr>
           <p:spPr>
             <a:xfrm>
-              <a:off x="3398810" y="2636487"/>
-              <a:ext cx="122830" cy="186417"/>
+              <a:off x="3576753" y="2459534"/>
+              <a:ext cx="121646" cy="163132"/>
             </a:xfrm>
             <a:prstGeom prst="downArrow">
               <a:avLst/>
@@ -20207,7 +20443,7 @@
             <a:lstStyle/>
             <a:p>
               <a:pPr algn="ctr"/>
-              <a:endParaRPr lang="en-US"/>
+              <a:endParaRPr lang="en-US" b="1"/>
             </a:p>
           </p:txBody>
         </p:sp>
@@ -20219,8 +20455,8 @@
           </p:nvSpPr>
           <p:spPr>
             <a:xfrm>
-              <a:off x="3398810" y="3498579"/>
-              <a:ext cx="122830" cy="186417"/>
+              <a:off x="3576753" y="3143192"/>
+              <a:ext cx="121646" cy="163132"/>
             </a:xfrm>
             <a:prstGeom prst="downArrow">
               <a:avLst/>
@@ -20247,7 +20483,7 @@
             <a:lstStyle/>
             <a:p>
               <a:pPr algn="ctr"/>
-              <a:endParaRPr lang="en-US"/>
+              <a:endParaRPr lang="en-US" b="1"/>
             </a:p>
           </p:txBody>
         </p:sp>
@@ -20259,8 +20495,8 @@
           </p:nvSpPr>
           <p:spPr>
             <a:xfrm>
-              <a:off x="3398810" y="4347015"/>
-              <a:ext cx="122830" cy="186417"/>
+              <a:off x="3576753" y="3903286"/>
+              <a:ext cx="121646" cy="163132"/>
             </a:xfrm>
             <a:prstGeom prst="downArrow">
               <a:avLst/>
@@ -20287,7 +20523,7 @@
             <a:lstStyle/>
             <a:p>
               <a:pPr algn="ctr"/>
-              <a:endParaRPr lang="en-US"/>
+              <a:endParaRPr lang="en-US" b="1"/>
             </a:p>
           </p:txBody>
         </p:sp>
@@ -20299,8 +20535,8 @@
           </p:nvSpPr>
           <p:spPr>
             <a:xfrm>
-              <a:off x="3398810" y="5168157"/>
-              <a:ext cx="122830" cy="186417"/>
+              <a:off x="3576753" y="4592706"/>
+              <a:ext cx="121646" cy="163132"/>
             </a:xfrm>
             <a:prstGeom prst="downArrow">
               <a:avLst/>
@@ -20327,7 +20563,7 @@
             <a:lstStyle/>
             <a:p>
               <a:pPr algn="ctr"/>
-              <a:endParaRPr lang="en-US"/>
+              <a:endParaRPr lang="en-US" b="1"/>
             </a:p>
           </p:txBody>
         </p:sp>
@@ -20339,8 +20575,8 @@
           </p:nvSpPr>
           <p:spPr>
             <a:xfrm>
-              <a:off x="5699600" y="2638759"/>
-              <a:ext cx="122830" cy="186417"/>
+              <a:off x="5908491" y="2551980"/>
+              <a:ext cx="121646" cy="163132"/>
             </a:xfrm>
             <a:prstGeom prst="downArrow">
               <a:avLst/>
@@ -20367,7 +20603,7 @@
             <a:lstStyle/>
             <a:p>
               <a:pPr algn="ctr"/>
-              <a:endParaRPr lang="en-US"/>
+              <a:endParaRPr lang="en-US" b="1"/>
             </a:p>
           </p:txBody>
         </p:sp>
@@ -20379,8 +20615,8 @@
           </p:nvSpPr>
           <p:spPr>
             <a:xfrm>
-              <a:off x="5699600" y="3500851"/>
-              <a:ext cx="122830" cy="186417"/>
+              <a:off x="5908491" y="3291270"/>
+              <a:ext cx="121646" cy="163132"/>
             </a:xfrm>
             <a:prstGeom prst="downArrow">
               <a:avLst/>
@@ -20407,7 +20643,7 @@
             <a:lstStyle/>
             <a:p>
               <a:pPr algn="ctr"/>
-              <a:endParaRPr lang="en-US"/>
+              <a:endParaRPr lang="en-US" b="1"/>
             </a:p>
           </p:txBody>
         </p:sp>
@@ -20419,8 +20655,8 @@
           </p:nvSpPr>
           <p:spPr>
             <a:xfrm>
-              <a:off x="5699600" y="4349287"/>
-              <a:ext cx="122830" cy="186417"/>
+              <a:off x="5908491" y="4030560"/>
+              <a:ext cx="121646" cy="163132"/>
             </a:xfrm>
             <a:prstGeom prst="downArrow">
               <a:avLst/>
@@ -20447,7 +20683,7 @@
             <a:lstStyle/>
             <a:p>
               <a:pPr algn="ctr"/>
-              <a:endParaRPr lang="en-US"/>
+              <a:endParaRPr lang="en-US" b="1"/>
             </a:p>
           </p:txBody>
         </p:sp>
@@ -20459,8 +20695,8 @@
           </p:nvSpPr>
           <p:spPr>
             <a:xfrm>
-              <a:off x="8704384" y="2641031"/>
-              <a:ext cx="122830" cy="186417"/>
+              <a:off x="8806719" y="2507720"/>
+              <a:ext cx="121646" cy="163132"/>
             </a:xfrm>
             <a:prstGeom prst="downArrow">
               <a:avLst/>
@@ -20487,7 +20723,7 @@
             <a:lstStyle/>
             <a:p>
               <a:pPr algn="ctr"/>
-              <a:endParaRPr lang="en-US"/>
+              <a:endParaRPr lang="en-US" b="1"/>
             </a:p>
           </p:txBody>
         </p:sp>
@@ -20499,8 +20735,8 @@
           </p:nvSpPr>
           <p:spPr>
             <a:xfrm>
-              <a:off x="8704384" y="3503123"/>
-              <a:ext cx="122830" cy="186417"/>
+              <a:off x="8806719" y="3234052"/>
+              <a:ext cx="121646" cy="163132"/>
             </a:xfrm>
             <a:prstGeom prst="downArrow">
               <a:avLst/>
@@ -20527,7 +20763,7 @@
             <a:lstStyle/>
             <a:p>
               <a:pPr algn="ctr"/>
-              <a:endParaRPr lang="en-US"/>
+              <a:endParaRPr lang="en-US" b="1"/>
             </a:p>
           </p:txBody>
         </p:sp>
@@ -20539,8 +20775,8 @@
           </p:nvSpPr>
           <p:spPr>
             <a:xfrm>
-              <a:off x="8704384" y="4351559"/>
-              <a:ext cx="122830" cy="186417"/>
+              <a:off x="8806719" y="3892143"/>
+              <a:ext cx="121646" cy="163132"/>
             </a:xfrm>
             <a:prstGeom prst="downArrow">
               <a:avLst/>
@@ -20567,7 +20803,7 @@
             <a:lstStyle/>
             <a:p>
               <a:pPr algn="ctr"/>
-              <a:endParaRPr lang="en-US"/>
+              <a:endParaRPr lang="en-US" b="1"/>
             </a:p>
           </p:txBody>
         </p:sp>
@@ -20579,8 +20815,8 @@
           </p:nvSpPr>
           <p:spPr>
             <a:xfrm>
-              <a:off x="10876653" y="2656951"/>
-              <a:ext cx="122830" cy="186417"/>
+              <a:off x="10982491" y="2477442"/>
+              <a:ext cx="121646" cy="163132"/>
             </a:xfrm>
             <a:prstGeom prst="downArrow">
               <a:avLst/>
@@ -20607,7 +20843,7 @@
             <a:lstStyle/>
             <a:p>
               <a:pPr algn="ctr"/>
-              <a:endParaRPr lang="en-US"/>
+              <a:endParaRPr lang="en-US" b="1"/>
             </a:p>
           </p:txBody>
         </p:sp>
@@ -20619,8 +20855,8 @@
           </p:nvSpPr>
           <p:spPr>
             <a:xfrm>
-              <a:off x="10876653" y="3519043"/>
-              <a:ext cx="122830" cy="186417"/>
+              <a:off x="10982491" y="3231853"/>
+              <a:ext cx="121646" cy="163132"/>
             </a:xfrm>
             <a:prstGeom prst="downArrow">
               <a:avLst/>
@@ -20647,7 +20883,7 @@
             <a:lstStyle/>
             <a:p>
               <a:pPr algn="ctr"/>
-              <a:endParaRPr lang="en-US"/>
+              <a:endParaRPr lang="en-US" b="1"/>
             </a:p>
           </p:txBody>
         </p:sp>
@@ -20659,8 +20895,8 @@
           </p:nvSpPr>
           <p:spPr>
             <a:xfrm>
-              <a:off x="10876653" y="4367479"/>
-              <a:ext cx="122830" cy="186417"/>
+              <a:off x="10982491" y="3974314"/>
+              <a:ext cx="121646" cy="163132"/>
             </a:xfrm>
             <a:prstGeom prst="downArrow">
               <a:avLst/>
@@ -20687,7 +20923,7 @@
             <a:lstStyle/>
             <a:p>
               <a:pPr algn="ctr"/>
-              <a:endParaRPr lang="en-US"/>
+              <a:endParaRPr lang="en-US" b="1"/>
             </a:p>
           </p:txBody>
         </p:sp>
@@ -20699,8 +20935,8 @@
           </p:nvCxnSpPr>
           <p:spPr>
             <a:xfrm>
-              <a:off x="1269246" y="2013458"/>
-              <a:ext cx="9621055" cy="44786"/>
+              <a:off x="1467723" y="1914325"/>
+              <a:ext cx="9528284" cy="39192"/>
             </a:xfrm>
             <a:prstGeom prst="line">
               <a:avLst/>
@@ -20729,8 +20965,8 @@
           </p:nvSpPr>
           <p:spPr>
             <a:xfrm>
-              <a:off x="1215763" y="2047497"/>
-              <a:ext cx="122830" cy="186417"/>
+              <a:off x="1414756" y="1930464"/>
+              <a:ext cx="121646" cy="163132"/>
             </a:xfrm>
             <a:prstGeom prst="downArrow">
               <a:avLst/>
@@ -20757,7 +20993,7 @@
             <a:lstStyle/>
             <a:p>
               <a:pPr algn="ctr"/>
-              <a:endParaRPr lang="en-US"/>
+              <a:endParaRPr lang="en-US" b="1"/>
             </a:p>
           </p:txBody>
         </p:sp>
@@ -20769,8 +21005,8 @@
           </p:nvSpPr>
           <p:spPr>
             <a:xfrm>
-              <a:off x="3415326" y="2063417"/>
-              <a:ext cx="122830" cy="186417"/>
+              <a:off x="3593110" y="1958044"/>
+              <a:ext cx="121646" cy="163132"/>
             </a:xfrm>
             <a:prstGeom prst="downArrow">
               <a:avLst/>
@@ -20797,7 +21033,7 @@
             <a:lstStyle/>
             <a:p>
               <a:pPr algn="ctr"/>
-              <a:endParaRPr lang="en-US"/>
+              <a:endParaRPr lang="en-US" b="1"/>
             </a:p>
           </p:txBody>
         </p:sp>
@@ -20809,8 +21045,8 @@
           </p:nvSpPr>
           <p:spPr>
             <a:xfrm>
-              <a:off x="5751374" y="2038393"/>
-              <a:ext cx="122830" cy="186417"/>
+              <a:off x="5894103" y="1945546"/>
+              <a:ext cx="121646" cy="221971"/>
             </a:xfrm>
             <a:prstGeom prst="downArrow">
               <a:avLst/>
@@ -20837,7 +21073,7 @@
             <a:lstStyle/>
             <a:p>
               <a:pPr algn="ctr"/>
-              <a:endParaRPr lang="en-US"/>
+              <a:endParaRPr lang="en-US" b="1"/>
             </a:p>
           </p:txBody>
         </p:sp>
@@ -20849,8 +21085,8 @@
           </p:nvSpPr>
           <p:spPr>
             <a:xfrm>
-              <a:off x="8660626" y="2095257"/>
-              <a:ext cx="122830" cy="186417"/>
+              <a:off x="8806719" y="1958812"/>
+              <a:ext cx="121646" cy="163132"/>
             </a:xfrm>
             <a:prstGeom prst="downArrow">
               <a:avLst/>
@@ -20877,7 +21113,7 @@
             <a:lstStyle/>
             <a:p>
               <a:pPr algn="ctr"/>
-              <a:endParaRPr lang="en-US"/>
+              <a:endParaRPr lang="en-US" b="1"/>
             </a:p>
           </p:txBody>
         </p:sp>
@@ -20889,8 +21125,8 @@
           </p:nvSpPr>
           <p:spPr>
             <a:xfrm>
-              <a:off x="10846544" y="2070234"/>
-              <a:ext cx="122830" cy="186417"/>
+              <a:off x="10952672" y="1964009"/>
+              <a:ext cx="121646" cy="163132"/>
             </a:xfrm>
             <a:prstGeom prst="downArrow">
               <a:avLst/>
@@ -20917,7 +21153,7 @@
             <a:lstStyle/>
             <a:p>
               <a:pPr algn="ctr"/>
-              <a:endParaRPr lang="en-US"/>
+              <a:endParaRPr lang="en-US" b="1"/>
             </a:p>
           </p:txBody>
         </p:sp>
@@ -20931,8 +21167,8 @@
           </p:nvCxnSpPr>
           <p:spPr>
             <a:xfrm>
-              <a:off x="1208957" y="6029753"/>
-              <a:ext cx="4057807" cy="282334"/>
+              <a:off x="1408016" y="5428960"/>
+              <a:ext cx="4018680" cy="247069"/>
             </a:xfrm>
             <a:prstGeom prst="bentConnector3">
               <a:avLst>
@@ -20974,8 +21210,8 @@
           </p:nvCxnSpPr>
           <p:spPr>
             <a:xfrm rot="5400000">
-              <a:off x="8130957" y="3479078"/>
-              <a:ext cx="1150419" cy="4515594"/>
+              <a:off x="8329571" y="2936638"/>
+              <a:ext cx="1006725" cy="4472052"/>
             </a:xfrm>
             <a:prstGeom prst="bentConnector2">
               <a:avLst/>
@@ -21013,8 +21249,8 @@
           </p:nvCxnSpPr>
           <p:spPr>
             <a:xfrm flipH="1">
-              <a:off x="3446205" y="5799579"/>
-              <a:ext cx="1" cy="449626"/>
+              <a:off x="3623691" y="5282128"/>
+              <a:ext cx="1" cy="393465"/>
             </a:xfrm>
             <a:prstGeom prst="straightConnector1">
               <a:avLst/>
@@ -21048,8 +21284,8 @@
           </p:nvCxnSpPr>
           <p:spPr>
             <a:xfrm>
-              <a:off x="5813946" y="5240737"/>
-              <a:ext cx="55" cy="873457"/>
+              <a:off x="5968601" y="4738497"/>
+              <a:ext cx="54" cy="764357"/>
             </a:xfrm>
             <a:prstGeom prst="straightConnector1">
               <a:avLst/>
@@ -21081,8 +21317,8 @@
           </p:nvCxnSpPr>
           <p:spPr>
             <a:xfrm flipH="1">
-              <a:off x="8655011" y="5193180"/>
-              <a:ext cx="5615" cy="1073414"/>
+              <a:off x="8782271" y="4696880"/>
+              <a:ext cx="5561" cy="939338"/>
             </a:xfrm>
             <a:prstGeom prst="straightConnector1">
               <a:avLst/>
@@ -21115,7 +21351,7 @@
         </p:nvSpPr>
         <p:spPr>
           <a:xfrm>
-            <a:off x="4296017" y="5950422"/>
+            <a:off x="4296017" y="6026622"/>
             <a:ext cx="3599967" cy="584775"/>
           </a:xfrm>
           <a:prstGeom prst="rect">
@@ -21162,6 +21398,13 @@
       </p:transition>
     </mc:Fallback>
   </mc:AlternateContent>
+  <p:timing>
+    <p:tnLst>
+      <p:par>
+        <p:cTn id="1" dur="indefinite" restart="never" nodeType="tmRoot"/>
+      </p:par>
+    </p:tnLst>
+  </p:timing>
 </p:sld>
 </file>
 
@@ -21225,7 +21468,7 @@
         </p:nvSpPr>
         <p:spPr>
           <a:xfrm>
-            <a:off x="5011003" y="272953"/>
+            <a:off x="5011003" y="232009"/>
             <a:ext cx="2169994" cy="584775"/>
           </a:xfrm>
           <a:prstGeom prst="rect">
@@ -21255,14 +21498,21 @@
           <p:nvPr/>
         </p:nvPicPr>
         <p:blipFill>
-          <a:blip r:embed="rId2"/>
-          <a:srcRect/>
-          <a:stretch/>
+          <a:blip r:embed="rId2">
+            <a:extLst>
+              <a:ext uri="{28A0092B-C50C-407E-A947-70E740481C1C}">
+                <a14:useLocalDpi xmlns:a14="http://schemas.microsoft.com/office/drawing/2010/main" val="0"/>
+              </a:ext>
+            </a:extLst>
+          </a:blip>
+          <a:stretch>
+            <a:fillRect/>
+          </a:stretch>
         </p:blipFill>
         <p:spPr>
           <a:xfrm>
-            <a:off x="947404" y="857728"/>
-            <a:ext cx="10297192" cy="5873229"/>
+            <a:off x="520889" y="760535"/>
+            <a:ext cx="11150221" cy="6097465"/>
           </a:xfrm>
           <a:prstGeom prst="rect">
             <a:avLst/>
@@ -21279,18 +21529,25 @@
   <p:clrMapOvr>
     <a:masterClrMapping/>
   </p:clrMapOvr>
-  <mc:AlternateContent xmlns:mc="http://schemas.openxmlformats.org/markup-compatibility/2006">
-    <mc:Choice xmlns:p14="http://schemas.microsoft.com/office/powerpoint/2010/main" Requires="p14">
+  <mc:AlternateContent xmlns:mc="http://schemas.openxmlformats.org/markup-compatibility/2006" xmlns:p14="http://schemas.microsoft.com/office/powerpoint/2010/main">
+    <mc:Choice Requires="p14">
       <p:transition spd="slow" p14:dur="3400">
         <p14:reveal/>
       </p:transition>
     </mc:Choice>
-    <mc:Fallback>
+    <mc:Fallback xmlns="">
       <p:transition spd="slow">
         <p:fade/>
       </p:transition>
     </mc:Fallback>
   </mc:AlternateContent>
+  <p:timing>
+    <p:tnLst>
+      <p:par>
+        <p:cTn id="1" dur="indefinite" restart="never" nodeType="tmRoot"/>
+      </p:par>
+    </p:tnLst>
+  </p:timing>
 </p:sld>
 </file>
 
@@ -21362,7 +21619,7 @@
         </p:blipFill>
         <p:spPr>
           <a:xfrm>
-            <a:off x="1531179" y="1057992"/>
+            <a:off x="1531179" y="894216"/>
             <a:ext cx="9129642" cy="5800008"/>
           </a:xfrm>
           <a:prstGeom prst="rect">
@@ -21380,18 +21637,25 @@
   <p:clrMapOvr>
     <a:masterClrMapping/>
   </p:clrMapOvr>
-  <mc:AlternateContent xmlns:mc="http://schemas.openxmlformats.org/markup-compatibility/2006">
-    <mc:Choice xmlns:p14="http://schemas.microsoft.com/office/powerpoint/2010/main" Requires="p14">
+  <mc:AlternateContent xmlns:mc="http://schemas.openxmlformats.org/markup-compatibility/2006" xmlns:p14="http://schemas.microsoft.com/office/powerpoint/2010/main">
+    <mc:Choice Requires="p14">
       <p:transition spd="slow" p14:dur="3400">
         <p14:reveal/>
       </p:transition>
     </mc:Choice>
-    <mc:Fallback>
+    <mc:Fallback xmlns="">
       <p:transition spd="slow">
         <p:fade/>
       </p:transition>
     </mc:Fallback>
   </mc:AlternateContent>
+  <p:timing>
+    <p:tnLst>
+      <p:par>
+        <p:cTn id="1" dur="indefinite" restart="never" nodeType="tmRoot"/>
+      </p:par>
+    </p:tnLst>
+  </p:timing>
 </p:sld>
 </file>
 
@@ -21727,6 +21991,16 @@
                 <a:spcPct val="150000"/>
               </a:lnSpc>
             </a:pPr>
+            <a:r>
+              <a:rPr lang="en-US" sz="2000" dirty="0">
+                <a:solidFill>
+                  <a:schemeClr val="accent6">
+                    <a:lumMod val="75000"/>
+                  </a:schemeClr>
+                </a:solidFill>
+              </a:rPr>
+              <a:t/>
+            </a:r>
             <a:br>
               <a:rPr lang="en-US" sz="2000" dirty="0">
                 <a:solidFill>
@@ -21897,18 +22171,25 @@
   <p:clrMapOvr>
     <a:masterClrMapping/>
   </p:clrMapOvr>
-  <mc:AlternateContent xmlns:mc="http://schemas.openxmlformats.org/markup-compatibility/2006">
-    <mc:Choice xmlns:p14="http://schemas.microsoft.com/office/powerpoint/2010/main" Requires="p14">
+  <mc:AlternateContent xmlns:mc="http://schemas.openxmlformats.org/markup-compatibility/2006" xmlns:p14="http://schemas.microsoft.com/office/powerpoint/2010/main">
+    <mc:Choice Requires="p14">
       <p:transition spd="slow" p14:dur="3400">
         <p14:reveal/>
       </p:transition>
     </mc:Choice>
-    <mc:Fallback>
+    <mc:Fallback xmlns="">
       <p:transition spd="slow">
         <p:fade/>
       </p:transition>
     </mc:Fallback>
   </mc:AlternateContent>
+  <p:timing>
+    <p:tnLst>
+      <p:par>
+        <p:cTn id="1" dur="indefinite" restart="never" nodeType="tmRoot"/>
+      </p:par>
+    </p:tnLst>
+  </p:timing>
 </p:sld>
 </file>
 
@@ -21998,18 +22279,25 @@
   <p:clrMapOvr>
     <a:masterClrMapping/>
   </p:clrMapOvr>
-  <mc:AlternateContent xmlns:mc="http://schemas.openxmlformats.org/markup-compatibility/2006">
-    <mc:Choice xmlns:p14="http://schemas.microsoft.com/office/powerpoint/2010/main" Requires="p14">
+  <mc:AlternateContent xmlns:mc="http://schemas.openxmlformats.org/markup-compatibility/2006" xmlns:p14="http://schemas.microsoft.com/office/powerpoint/2010/main">
+    <mc:Choice Requires="p14">
       <p:transition spd="slow" p14:dur="3400">
         <p14:reveal/>
       </p:transition>
     </mc:Choice>
-    <mc:Fallback>
+    <mc:Fallback xmlns="">
       <p:transition spd="slow">
         <p:fade/>
       </p:transition>
     </mc:Fallback>
   </mc:AlternateContent>
+  <p:timing>
+    <p:tnLst>
+      <p:par>
+        <p:cTn id="1" dur="indefinite" restart="never" nodeType="tmRoot"/>
+      </p:par>
+    </p:tnLst>
+  </p:timing>
 </p:sld>
 </file>
 
@@ -22099,18 +22387,25 @@
   <p:clrMapOvr>
     <a:masterClrMapping/>
   </p:clrMapOvr>
-  <mc:AlternateContent xmlns:mc="http://schemas.openxmlformats.org/markup-compatibility/2006">
-    <mc:Choice xmlns:p14="http://schemas.microsoft.com/office/powerpoint/2010/main" Requires="p14">
+  <mc:AlternateContent xmlns:mc="http://schemas.openxmlformats.org/markup-compatibility/2006" xmlns:p14="http://schemas.microsoft.com/office/powerpoint/2010/main">
+    <mc:Choice Requires="p14">
       <p:transition spd="slow" p14:dur="3400">
         <p14:reveal/>
       </p:transition>
     </mc:Choice>
-    <mc:Fallback>
+    <mc:Fallback xmlns="">
       <p:transition spd="slow">
         <p:fade/>
       </p:transition>
     </mc:Fallback>
   </mc:AlternateContent>
+  <p:timing>
+    <p:tnLst>
+      <p:par>
+        <p:cTn id="1" dur="indefinite" restart="never" nodeType="tmRoot"/>
+      </p:par>
+    </p:tnLst>
+  </p:timing>
 </p:sld>
 </file>
 
@@ -22193,18 +22488,25 @@
   <p:clrMapOvr>
     <a:masterClrMapping/>
   </p:clrMapOvr>
-  <mc:AlternateContent xmlns:mc="http://schemas.openxmlformats.org/markup-compatibility/2006">
-    <mc:Choice xmlns:p14="http://schemas.microsoft.com/office/powerpoint/2010/main" Requires="p14">
+  <mc:AlternateContent xmlns:mc="http://schemas.openxmlformats.org/markup-compatibility/2006" xmlns:p14="http://schemas.microsoft.com/office/powerpoint/2010/main">
+    <mc:Choice Requires="p14">
       <p:transition spd="slow" p14:dur="3400">
         <p14:reveal/>
       </p:transition>
     </mc:Choice>
-    <mc:Fallback>
+    <mc:Fallback xmlns="">
       <p:transition spd="slow">
         <p:fade/>
       </p:transition>
     </mc:Fallback>
   </mc:AlternateContent>
+  <p:timing>
+    <p:tnLst>
+      <p:par>
+        <p:cTn id="1" dur="indefinite" restart="never" nodeType="tmRoot"/>
+      </p:par>
+    </p:tnLst>
+  </p:timing>
 </p:sld>
 </file>
 
@@ -22241,8 +22543,8 @@
         </p:nvSpPr>
         <p:spPr bwMode="auto">
           <a:xfrm>
-            <a:off x="802105" y="580792"/>
-            <a:ext cx="10812379" cy="4621201"/>
+            <a:off x="802105" y="552291"/>
+            <a:ext cx="10812379" cy="4678204"/>
           </a:xfrm>
           <a:prstGeom prst="rect">
             <a:avLst/>
@@ -22290,7 +22592,7 @@
           </a:bodyPr>
           <a:lstStyle/>
           <a:p>
-            <a:pPr marL="0" marR="0" lvl="0" indent="0" algn="l" defTabSz="914400" rtl="0" eaLnBrk="0" fontAlgn="base" latinLnBrk="0" hangingPunct="0">
+            <a:pPr marL="0" marR="0" lvl="0" indent="0" algn="ctr" defTabSz="914400" rtl="0" eaLnBrk="0" fontAlgn="base" latinLnBrk="0" hangingPunct="0">
               <a:lnSpc>
                 <a:spcPct val="100000"/>
               </a:lnSpc>
@@ -22337,6 +22639,19 @@
               <a:buNone/>
               <a:tabLst/>
             </a:pPr>
+            <a:r>
+              <a:rPr kumimoji="0" lang="en-US" altLang="en-US" sz="2000" b="0" i="0" u="none" strike="noStrike" cap="none" normalizeH="0" baseline="0" dirty="0">
+                <a:ln>
+                  <a:noFill/>
+                </a:ln>
+                <a:solidFill>
+                  <a:schemeClr val="tx1"/>
+                </a:solidFill>
+                <a:effectLst/>
+                <a:latin typeface="Arial" panose="020B0604020202020204" pitchFamily="34" charset="0"/>
+              </a:rPr>
+              <a:t/>
+            </a:r>
             <a:br>
               <a:rPr kumimoji="0" lang="en-US" altLang="en-US" sz="2000" b="0" i="0" u="none" strike="noStrike" cap="none" normalizeH="0" baseline="0" dirty="0">
                 <a:ln>
@@ -22375,18 +22690,25 @@
   <p:clrMapOvr>
     <a:masterClrMapping/>
   </p:clrMapOvr>
-  <mc:AlternateContent xmlns:mc="http://schemas.openxmlformats.org/markup-compatibility/2006">
-    <mc:Choice xmlns:p14="http://schemas.microsoft.com/office/powerpoint/2010/main" Requires="p14">
+  <mc:AlternateContent xmlns:mc="http://schemas.openxmlformats.org/markup-compatibility/2006" xmlns:p14="http://schemas.microsoft.com/office/powerpoint/2010/main">
+    <mc:Choice Requires="p14">
       <p:transition spd="slow" p14:dur="3400">
         <p14:reveal/>
       </p:transition>
     </mc:Choice>
-    <mc:Fallback>
+    <mc:Fallback xmlns="">
       <p:transition spd="slow">
         <p:fade/>
       </p:transition>
     </mc:Fallback>
   </mc:AlternateContent>
+  <p:timing>
+    <p:tnLst>
+      <p:par>
+        <p:cTn id="1" dur="indefinite" restart="never" nodeType="tmRoot"/>
+      </p:par>
+    </p:tnLst>
+  </p:timing>
 </p:sld>
 </file>
 
@@ -22423,7 +22745,12 @@
             <p:ph type="title"/>
           </p:nvPr>
         </p:nvSpPr>
-        <p:spPr/>
+        <p:spPr>
+          <a:xfrm>
+            <a:off x="6283842" y="2260377"/>
+            <a:ext cx="4911633" cy="1789855"/>
+          </a:xfrm>
+        </p:spPr>
         <p:txBody>
           <a:bodyPr>
             <a:normAutofit/>
@@ -22431,11 +22758,11 @@
           <a:lstStyle/>
           <a:p>
             <a:r>
-              <a:rPr lang="en-US" sz="6600" dirty="0"/>
+              <a:rPr lang="en-US" sz="8000" dirty="0"/>
               <a:t>Thank </a:t>
             </a:r>
             <a:r>
-              <a:rPr lang="en-US" sz="6600" b="0" dirty="0"/>
+              <a:rPr lang="en-US" sz="8000" b="0" dirty="0"/>
               <a:t>You.</a:t>
             </a:r>
           </a:p>
@@ -22583,7 +22910,7 @@
         </p:blipFill>
         <p:spPr>
           <a:xfrm>
-            <a:off x="3431600" y="271686"/>
+            <a:off x="3458896" y="271686"/>
             <a:ext cx="2944121" cy="3415182"/>
           </a:xfrm>
           <a:custGeom>
@@ -22660,18 +22987,25 @@
   <p:clrMapOvr>
     <a:masterClrMapping/>
   </p:clrMapOvr>
-  <mc:AlternateContent xmlns:mc="http://schemas.openxmlformats.org/markup-compatibility/2006">
-    <mc:Choice xmlns:p14="http://schemas.microsoft.com/office/powerpoint/2010/main" Requires="p14">
+  <mc:AlternateContent xmlns:mc="http://schemas.openxmlformats.org/markup-compatibility/2006" xmlns:p14="http://schemas.microsoft.com/office/powerpoint/2010/main">
+    <mc:Choice Requires="p14">
       <p:transition spd="slow" p14:dur="3400">
         <p14:reveal/>
       </p:transition>
     </mc:Choice>
-    <mc:Fallback>
+    <mc:Fallback xmlns="">
       <p:transition spd="slow">
         <p:fade/>
       </p:transition>
     </mc:Fallback>
   </mc:AlternateContent>
+  <p:timing>
+    <p:tnLst>
+      <p:par>
+        <p:cTn id="1" dur="indefinite" restart="never" nodeType="tmRoot"/>
+      </p:par>
+    </p:tnLst>
+  </p:timing>
 </p:sld>
 </file>
 
@@ -22700,8 +23034,8 @@
         </p:nvSpPr>
         <p:spPr>
           <a:xfrm>
-            <a:off x="616424" y="394692"/>
-            <a:ext cx="10959152" cy="6186309"/>
+            <a:off x="616424" y="394693"/>
+            <a:ext cx="10902286" cy="6463308"/>
           </a:xfrm>
           <a:prstGeom prst="rect">
             <a:avLst/>
@@ -22839,18 +23173,25 @@
   <p:clrMapOvr>
     <a:masterClrMapping/>
   </p:clrMapOvr>
-  <mc:AlternateContent xmlns:mc="http://schemas.openxmlformats.org/markup-compatibility/2006">
-    <mc:Choice xmlns:p14="http://schemas.microsoft.com/office/powerpoint/2010/main" Requires="p14">
+  <mc:AlternateContent xmlns:mc="http://schemas.openxmlformats.org/markup-compatibility/2006" xmlns:p14="http://schemas.microsoft.com/office/powerpoint/2010/main">
+    <mc:Choice Requires="p14">
       <p:transition spd="slow" p14:dur="3400">
         <p14:reveal/>
       </p:transition>
     </mc:Choice>
-    <mc:Fallback>
+    <mc:Fallback xmlns="">
       <p:transition spd="slow">
         <p:fade/>
       </p:transition>
     </mc:Fallback>
   </mc:AlternateContent>
+  <p:timing>
+    <p:tnLst>
+      <p:par>
+        <p:cTn id="1" dur="indefinite" restart="never" nodeType="tmRoot"/>
+      </p:par>
+    </p:tnLst>
+  </p:timing>
 </p:sld>
 </file>
 
@@ -22881,8 +23222,8 @@
         </p:nvSpPr>
         <p:spPr bwMode="auto">
           <a:xfrm>
-            <a:off x="509212" y="1720840"/>
-            <a:ext cx="11173577" cy="3416320"/>
+            <a:off x="509212" y="1674674"/>
+            <a:ext cx="11173577" cy="3508653"/>
           </a:xfrm>
           <a:prstGeom prst="rect">
             <a:avLst/>
@@ -22947,7 +23288,7 @@
               <a:tabLst/>
             </a:pPr>
             <a:r>
-              <a:rPr kumimoji="0" lang="en-US" altLang="en-US" sz="1800" b="1" i="0" u="none" strike="noStrike" cap="none" normalizeH="0" baseline="0" dirty="0">
+              <a:rPr kumimoji="0" lang="en-US" altLang="en-US" sz="2400" b="1" i="0" u="none" strike="noStrike" cap="none" normalizeH="0" baseline="0" dirty="0">
                 <a:ln>
                   <a:noFill/>
                 </a:ln>
@@ -22990,6 +23331,19 @@
               <a:buNone/>
               <a:tabLst/>
             </a:pPr>
+            <a:r>
+              <a:rPr kumimoji="0" lang="en-US" altLang="en-US" sz="1800" b="0" i="0" u="none" strike="noStrike" cap="none" normalizeH="0" baseline="0" dirty="0">
+                <a:ln>
+                  <a:noFill/>
+                </a:ln>
+                <a:solidFill>
+                  <a:schemeClr val="tx1"/>
+                </a:solidFill>
+                <a:effectLst/>
+                <a:latin typeface="Arial" panose="020B0604020202020204" pitchFamily="34" charset="0"/>
+              </a:rPr>
+              <a:t/>
+            </a:r>
             <a:br>
               <a:rPr kumimoji="0" lang="en-US" altLang="en-US" sz="1800" b="0" i="0" u="none" strike="noStrike" cap="none" normalizeH="0" baseline="0" dirty="0">
                 <a:ln>
@@ -23002,6 +23356,19 @@
                 <a:latin typeface="Arial" panose="020B0604020202020204" pitchFamily="34" charset="0"/>
               </a:rPr>
             </a:br>
+            <a:r>
+              <a:rPr kumimoji="0" lang="en-US" altLang="en-US" sz="1800" b="0" i="0" u="none" strike="noStrike" cap="none" normalizeH="0" baseline="0" dirty="0">
+                <a:ln>
+                  <a:noFill/>
+                </a:ln>
+                <a:solidFill>
+                  <a:schemeClr val="tx1"/>
+                </a:solidFill>
+                <a:effectLst/>
+                <a:latin typeface="Arial" panose="020B0604020202020204" pitchFamily="34" charset="0"/>
+              </a:rPr>
+              <a:t/>
+            </a:r>
             <a:br>
               <a:rPr kumimoji="0" lang="en-US" altLang="en-US" sz="1800" b="0" i="0" u="none" strike="noStrike" cap="none" normalizeH="0" baseline="0" dirty="0">
                 <a:ln>
@@ -23039,6 +23406,19 @@
                 <a:latin typeface="Arial" panose="020B0604020202020204" pitchFamily="34" charset="0"/>
               </a:rPr>
             </a:br>
+            <a:r>
+              <a:rPr kumimoji="0" lang="en-US" altLang="en-US" sz="1800" b="0" i="0" u="none" strike="noStrike" cap="none" normalizeH="0" baseline="0" dirty="0">
+                <a:ln>
+                  <a:noFill/>
+                </a:ln>
+                <a:solidFill>
+                  <a:schemeClr val="tx1"/>
+                </a:solidFill>
+                <a:effectLst/>
+                <a:latin typeface="Arial" panose="020B0604020202020204" pitchFamily="34" charset="0"/>
+              </a:rPr>
+              <a:t/>
+            </a:r>
             <a:br>
               <a:rPr kumimoji="0" lang="en-US" altLang="en-US" sz="1800" b="0" i="0" u="none" strike="noStrike" cap="none" normalizeH="0" baseline="0" dirty="0">
                 <a:ln>
@@ -23099,18 +23479,25 @@
   <p:clrMapOvr>
     <a:masterClrMapping/>
   </p:clrMapOvr>
-  <mc:AlternateContent xmlns:mc="http://schemas.openxmlformats.org/markup-compatibility/2006">
-    <mc:Choice xmlns:p14="http://schemas.microsoft.com/office/powerpoint/2010/main" Requires="p14">
+  <mc:AlternateContent xmlns:mc="http://schemas.openxmlformats.org/markup-compatibility/2006" xmlns:p14="http://schemas.microsoft.com/office/powerpoint/2010/main">
+    <mc:Choice Requires="p14">
       <p:transition spd="slow" p14:dur="3400">
         <p14:reveal/>
       </p:transition>
     </mc:Choice>
-    <mc:Fallback>
+    <mc:Fallback xmlns="">
       <p:transition spd="slow">
         <p:fade/>
       </p:transition>
     </mc:Fallback>
   </mc:AlternateContent>
+  <p:timing>
+    <p:tnLst>
+      <p:par>
+        <p:cTn id="1" dur="indefinite" restart="never" nodeType="tmRoot"/>
+      </p:par>
+    </p:tnLst>
+  </p:timing>
 </p:sld>
 </file>
 
@@ -23140,14 +23527,14 @@
           <p:nvPr>
             <p:extLst>
               <p:ext uri="{D42A27DB-BD31-4B8C-83A1-F6EECF244321}">
-                <p14:modId xmlns:p14="http://schemas.microsoft.com/office/powerpoint/2010/main" val="2435326476"/>
+                <p14:modId xmlns:p14="http://schemas.microsoft.com/office/powerpoint/2010/main" val="1174076165"/>
               </p:ext>
             </p:extLst>
           </p:nvPr>
         </p:nvGraphicFramePr>
         <p:xfrm>
           <a:off x="480400" y="1825624"/>
-          <a:ext cx="11231200" cy="4296629"/>
+          <a:ext cx="11231200" cy="4463301"/>
         </p:xfrm>
         <a:graphic>
           <a:graphicData uri="http://schemas.openxmlformats.org/drawingml/2006/table">
@@ -23193,12 +23580,18 @@
                         </a:spcAft>
                       </a:pPr>
                       <a:r>
-                        <a:rPr lang="en-US" sz="1600" b="1" u="none" strike="noStrike">
+                        <a:rPr lang="en-US" sz="1800" b="1" u="none" strike="noStrike" dirty="0" err="1">
                           <a:effectLst/>
                         </a:rPr>
-                        <a:t>Sl No</a:t>
+                        <a:t>Sl</a:t>
                       </a:r>
-                      <a:endParaRPr lang="en-US" sz="1600" b="1" dirty="0">
+                      <a:r>
+                        <a:rPr lang="en-US" sz="1800" b="1" u="none" strike="noStrike" dirty="0">
+                          <a:effectLst/>
+                        </a:rPr>
+                        <a:t> No</a:t>
+                      </a:r>
+                      <a:endParaRPr lang="en-US" sz="1800" b="1" dirty="0">
                         <a:effectLst/>
                       </a:endParaRPr>
                     </a:p>
@@ -23219,12 +23612,12 @@
                         </a:spcAft>
                       </a:pPr>
                       <a:r>
-                        <a:rPr lang="en-US" sz="1600" b="1" u="none" strike="noStrike">
+                        <a:rPr lang="en-US" sz="1800" b="1" u="none" strike="noStrike">
                           <a:effectLst/>
                         </a:rPr>
                         <a:t>Name</a:t>
                       </a:r>
-                      <a:endParaRPr lang="en-US" sz="1600" b="1" dirty="0">
+                      <a:endParaRPr lang="en-US" sz="1800" b="1" dirty="0">
                         <a:effectLst/>
                       </a:endParaRPr>
                     </a:p>
@@ -23245,12 +23638,12 @@
                         </a:spcAft>
                       </a:pPr>
                       <a:r>
-                        <a:rPr lang="en-US" sz="1600" b="1" u="none" strike="noStrike">
+                        <a:rPr lang="en-US" sz="1800" b="1" u="none" strike="noStrike">
                           <a:effectLst/>
                         </a:rPr>
                         <a:t>Page Number</a:t>
                       </a:r>
-                      <a:endParaRPr lang="en-US" sz="1600" b="1" dirty="0">
+                      <a:endParaRPr lang="en-US" sz="1800" b="1" dirty="0">
                         <a:effectLst/>
                       </a:endParaRPr>
                     </a:p>
@@ -23278,12 +23671,12 @@
                         </a:spcAft>
                       </a:pPr>
                       <a:r>
-                        <a:rPr lang="en-US" sz="1600" u="none" strike="noStrike">
+                        <a:rPr lang="en-US" sz="1800" u="none" strike="noStrike" dirty="0">
                           <a:effectLst/>
                         </a:rPr>
                         <a:t>01</a:t>
                       </a:r>
-                      <a:endParaRPr lang="en-US" sz="1600" dirty="0">
+                      <a:endParaRPr lang="en-US" sz="1800" dirty="0">
                         <a:effectLst/>
                       </a:endParaRPr>
                     </a:p>
@@ -23304,12 +23697,12 @@
                         </a:spcAft>
                       </a:pPr>
                       <a:r>
-                        <a:rPr lang="en-US" sz="1600" u="none" strike="noStrike">
+                        <a:rPr lang="en-US" sz="1800" u="none" strike="noStrike" dirty="0">
                           <a:effectLst/>
                         </a:rPr>
                         <a:t>Introduction </a:t>
                       </a:r>
-                      <a:endParaRPr lang="en-US" sz="1600" dirty="0">
+                      <a:endParaRPr lang="en-US" sz="1800" dirty="0">
                         <a:effectLst/>
                       </a:endParaRPr>
                     </a:p>
@@ -23330,12 +23723,12 @@
                         </a:spcAft>
                       </a:pPr>
                       <a:r>
-                        <a:rPr lang="en-US" sz="1600" u="none" strike="noStrike">
+                        <a:rPr lang="en-US" sz="1800" u="none" strike="noStrike">
                           <a:effectLst/>
                         </a:rPr>
                         <a:t>01</a:t>
                       </a:r>
-                      <a:endParaRPr lang="en-US" sz="1600">
+                      <a:endParaRPr lang="en-US" sz="1800">
                         <a:effectLst/>
                       </a:endParaRPr>
                     </a:p>
@@ -23363,12 +23756,12 @@
                         </a:spcAft>
                       </a:pPr>
                       <a:r>
-                        <a:rPr lang="en-US" sz="1600" u="none" strike="noStrike">
+                        <a:rPr lang="en-US" sz="1800" u="none" strike="noStrike" dirty="0">
                           <a:effectLst/>
                         </a:rPr>
                         <a:t>02</a:t>
                       </a:r>
-                      <a:endParaRPr lang="en-US" sz="1600" dirty="0">
+                      <a:endParaRPr lang="en-US" sz="1800" dirty="0">
                         <a:effectLst/>
                       </a:endParaRPr>
                     </a:p>
@@ -23398,10 +23791,10 @@
                         <a:defRPr/>
                       </a:pPr>
                       <a:r>
-                        <a:rPr lang="en-US" sz="1600"/>
+                        <a:rPr lang="en-US" sz="1800" dirty="0"/>
                         <a:t>Objective</a:t>
                       </a:r>
-                      <a:endParaRPr lang="en-US" sz="1600" dirty="0">
+                      <a:endParaRPr lang="en-US" sz="1800" dirty="0">
                         <a:effectLst/>
                       </a:endParaRPr>
                     </a:p>
@@ -23422,12 +23815,12 @@
                         </a:spcAft>
                       </a:pPr>
                       <a:r>
-                        <a:rPr lang="en-US" sz="1600" u="none" strike="noStrike">
+                        <a:rPr lang="en-US" sz="1800" u="none" strike="noStrike">
                           <a:effectLst/>
                         </a:rPr>
                         <a:t>01</a:t>
                       </a:r>
-                      <a:endParaRPr lang="en-US" sz="1600" dirty="0">
+                      <a:endParaRPr lang="en-US" sz="1800" dirty="0">
                         <a:effectLst/>
                       </a:endParaRPr>
                     </a:p>
@@ -23455,12 +23848,12 @@
                         </a:spcAft>
                       </a:pPr>
                       <a:r>
-                        <a:rPr lang="en-US" sz="1600" u="none" strike="noStrike">
+                        <a:rPr lang="en-US" sz="1800" u="none" strike="noStrike">
                           <a:effectLst/>
                         </a:rPr>
                         <a:t>03</a:t>
                       </a:r>
-                      <a:endParaRPr lang="en-US" sz="1600">
+                      <a:endParaRPr lang="en-US" sz="1800">
                         <a:effectLst/>
                       </a:endParaRPr>
                     </a:p>
@@ -23481,10 +23874,10 @@
                         </a:spcAft>
                       </a:pPr>
                       <a:r>
-                        <a:rPr lang="en-US" sz="1600"/>
+                        <a:rPr lang="en-US" sz="1800" dirty="0"/>
                         <a:t>Description</a:t>
                       </a:r>
-                      <a:endParaRPr lang="en-US" sz="1600" b="0" dirty="0">
+                      <a:endParaRPr lang="en-US" sz="1800" b="0" dirty="0">
                         <a:effectLst/>
                         <a:latin typeface="+mj-lt"/>
                       </a:endParaRPr>
@@ -23506,12 +23899,12 @@
                         </a:spcAft>
                       </a:pPr>
                       <a:r>
-                        <a:rPr lang="en-US" sz="1600" u="none" strike="noStrike">
+                        <a:rPr lang="en-US" sz="1800" u="none" strike="noStrike">
                           <a:effectLst/>
                         </a:rPr>
                         <a:t>02</a:t>
                       </a:r>
-                      <a:endParaRPr lang="en-US" sz="1600" dirty="0">
+                      <a:endParaRPr lang="en-US" sz="1800" dirty="0">
                         <a:effectLst/>
                       </a:endParaRPr>
                     </a:p>
@@ -23539,12 +23932,12 @@
                         </a:spcAft>
                       </a:pPr>
                       <a:r>
-                        <a:rPr lang="en-US" sz="1600" u="none" strike="noStrike">
+                        <a:rPr lang="en-US" sz="1800" u="none" strike="noStrike">
                           <a:effectLst/>
                         </a:rPr>
                         <a:t>04</a:t>
                       </a:r>
-                      <a:endParaRPr lang="en-US" sz="1600">
+                      <a:endParaRPr lang="en-US" sz="1800">
                         <a:effectLst/>
                       </a:endParaRPr>
                     </a:p>
@@ -23565,7 +23958,7 @@
                         </a:spcAft>
                       </a:pPr>
                       <a:r>
-                        <a:rPr kumimoji="0" lang="en-US" altLang="en-US" sz="1600" b="0" i="0" u="none" strike="noStrike" kern="1200" cap="none" normalizeH="0" baseline="0">
+                        <a:rPr kumimoji="0" lang="en-US" altLang="en-US" sz="1800" b="0" i="0" u="none" strike="noStrike" kern="1200" cap="none" normalizeH="0" baseline="0" dirty="0">
                           <a:ln>
                             <a:noFill/>
                           </a:ln>
@@ -23579,7 +23972,7 @@
                         </a:rPr>
                         <a:t>Analysis of Requirements</a:t>
                       </a:r>
-                      <a:endParaRPr lang="en-US" sz="1600" b="0" kern="1200" dirty="0">
+                      <a:endParaRPr lang="en-US" sz="1800" b="0" kern="1200" dirty="0">
                         <a:solidFill>
                           <a:schemeClr val="tx1"/>
                         </a:solidFill>
@@ -23606,12 +23999,12 @@
                         </a:spcAft>
                       </a:pPr>
                       <a:r>
-                        <a:rPr lang="en-US" sz="1600" u="none" strike="noStrike">
+                        <a:rPr lang="en-US" sz="1800" u="none" strike="noStrike">
                           <a:effectLst/>
                         </a:rPr>
                         <a:t>02</a:t>
                       </a:r>
-                      <a:endParaRPr lang="en-US" sz="1600" dirty="0">
+                      <a:endParaRPr lang="en-US" sz="1800" dirty="0">
                         <a:effectLst/>
                       </a:endParaRPr>
                     </a:p>
@@ -23639,12 +24032,12 @@
                         </a:spcAft>
                       </a:pPr>
                       <a:r>
-                        <a:rPr lang="en-US" sz="1600" u="none" strike="noStrike">
+                        <a:rPr lang="en-US" sz="1800" u="none" strike="noStrike">
                           <a:effectLst/>
                         </a:rPr>
                         <a:t>05</a:t>
                       </a:r>
-                      <a:endParaRPr lang="en-US" sz="1600">
+                      <a:endParaRPr lang="en-US" sz="1800">
                         <a:effectLst/>
                       </a:endParaRPr>
                     </a:p>
@@ -23665,12 +24058,12 @@
                         </a:spcAft>
                       </a:pPr>
                       <a:r>
-                        <a:rPr lang="en-US" sz="1600" u="none" strike="noStrike">
+                        <a:rPr lang="en-US" sz="1800" u="none" strike="noStrike" dirty="0">
                           <a:effectLst/>
                         </a:rPr>
                         <a:t>Scope</a:t>
                       </a:r>
-                      <a:endParaRPr lang="en-US" sz="1600" dirty="0">
+                      <a:endParaRPr lang="en-US" sz="1800" dirty="0">
                         <a:effectLst/>
                       </a:endParaRPr>
                     </a:p>
@@ -23691,12 +24084,12 @@
                         </a:spcAft>
                       </a:pPr>
                       <a:r>
-                        <a:rPr lang="en-US" sz="1600" u="none" strike="noStrike">
+                        <a:rPr lang="en-US" sz="1800" u="none" strike="noStrike">
                           <a:effectLst/>
                         </a:rPr>
                         <a:t>03</a:t>
                       </a:r>
-                      <a:endParaRPr lang="en-US" sz="1600" dirty="0">
+                      <a:endParaRPr lang="en-US" sz="1800" dirty="0">
                         <a:effectLst/>
                       </a:endParaRPr>
                     </a:p>
@@ -23724,12 +24117,12 @@
                         </a:spcAft>
                       </a:pPr>
                       <a:r>
-                        <a:rPr lang="en-US" sz="1600" u="none" strike="noStrike">
+                        <a:rPr lang="en-US" sz="1800" u="none" strike="noStrike">
                           <a:effectLst/>
                         </a:rPr>
                         <a:t>06</a:t>
                       </a:r>
-                      <a:endParaRPr lang="en-US" sz="1600">
+                      <a:endParaRPr lang="en-US" sz="1800">
                         <a:effectLst/>
                       </a:endParaRPr>
                     </a:p>
@@ -23750,12 +24143,12 @@
                         </a:spcAft>
                       </a:pPr>
                       <a:r>
-                        <a:rPr lang="en-US" sz="1600" u="none" strike="noStrike">
+                        <a:rPr lang="en-US" sz="1800" u="none" strike="noStrike" dirty="0">
                           <a:effectLst/>
                         </a:rPr>
                         <a:t>Software  Advantages</a:t>
                       </a:r>
-                      <a:endParaRPr lang="en-US" sz="1600" dirty="0">
+                      <a:endParaRPr lang="en-US" sz="1800" dirty="0">
                         <a:effectLst/>
                       </a:endParaRPr>
                     </a:p>
@@ -23776,12 +24169,12 @@
                         </a:spcAft>
                       </a:pPr>
                       <a:r>
-                        <a:rPr lang="en-US" sz="1600" u="none" strike="noStrike" dirty="0">
+                        <a:rPr lang="en-US" sz="1800" u="none" strike="noStrike" dirty="0">
                           <a:effectLst/>
                         </a:rPr>
                         <a:t>04</a:t>
                       </a:r>
-                      <a:endParaRPr lang="en-US" sz="1600" dirty="0">
+                      <a:endParaRPr lang="en-US" sz="1800" dirty="0">
                         <a:effectLst/>
                       </a:endParaRPr>
                     </a:p>
@@ -23809,12 +24202,12 @@
                         </a:spcAft>
                       </a:pPr>
                       <a:r>
-                        <a:rPr lang="en-US" sz="1600" u="none" strike="noStrike">
+                        <a:rPr lang="en-US" sz="1800" u="none" strike="noStrike">
                           <a:effectLst/>
                         </a:rPr>
                         <a:t>07</a:t>
                       </a:r>
-                      <a:endParaRPr lang="en-US" sz="1600">
+                      <a:endParaRPr lang="en-US" sz="1800">
                         <a:effectLst/>
                       </a:endParaRPr>
                     </a:p>
@@ -23835,12 +24228,18 @@
                         </a:spcAft>
                       </a:pPr>
                       <a:r>
-                        <a:rPr lang="en-US" sz="1600" u="none" strike="noStrike">
+                        <a:rPr lang="en-US" sz="1800" u="none" strike="noStrike" dirty="0" err="1">
                           <a:effectLst/>
                         </a:rPr>
-                        <a:t>Softwarer Features – key features</a:t>
+                        <a:t>Softwarer</a:t>
                       </a:r>
-                      <a:endParaRPr lang="en-US" sz="1600" dirty="0">
+                      <a:r>
+                        <a:rPr lang="en-US" sz="1800" u="none" strike="noStrike" dirty="0">
+                          <a:effectLst/>
+                        </a:rPr>
+                        <a:t> Features – key features</a:t>
+                      </a:r>
+                      <a:endParaRPr lang="en-US" sz="1800" dirty="0">
                         <a:effectLst/>
                       </a:endParaRPr>
                     </a:p>
@@ -23861,12 +24260,12 @@
                         </a:spcAft>
                       </a:pPr>
                       <a:r>
-                        <a:rPr lang="en-US" sz="1600" u="none" strike="noStrike" dirty="0">
+                        <a:rPr lang="en-US" sz="1800" u="none" strike="noStrike" dirty="0">
                           <a:effectLst/>
                         </a:rPr>
                         <a:t>05</a:t>
                       </a:r>
-                      <a:endParaRPr lang="en-US" sz="1600" dirty="0">
+                      <a:endParaRPr lang="en-US" sz="1800" dirty="0">
                         <a:effectLst/>
                       </a:endParaRPr>
                     </a:p>
@@ -23894,12 +24293,12 @@
                         </a:spcAft>
                       </a:pPr>
                       <a:r>
-                        <a:rPr lang="en-US" sz="1600" u="none" strike="noStrike">
+                        <a:rPr lang="en-US" sz="1800" u="none" strike="noStrike">
                           <a:effectLst/>
                         </a:rPr>
                         <a:t>08</a:t>
                       </a:r>
-                      <a:endParaRPr lang="en-US" sz="1600">
+                      <a:endParaRPr lang="en-US" sz="1800">
                         <a:effectLst/>
                       </a:endParaRPr>
                     </a:p>
@@ -23920,18 +24319,18 @@
                         </a:spcAft>
                       </a:pPr>
                       <a:r>
-                        <a:rPr lang="en-US" sz="1600" u="none" strike="noStrike" dirty="0" err="1">
+                        <a:rPr lang="en-US" sz="1800" u="none" strike="noStrike" dirty="0" err="1">
                           <a:effectLst/>
                         </a:rPr>
                         <a:t>Softwarer</a:t>
                       </a:r>
                       <a:r>
-                        <a:rPr lang="en-US" sz="1600" u="none" strike="noStrike" dirty="0">
+                        <a:rPr lang="en-US" sz="1800" u="none" strike="noStrike" dirty="0">
                           <a:effectLst/>
                         </a:rPr>
                         <a:t> Features – future additional features</a:t>
                       </a:r>
-                      <a:endParaRPr lang="en-US" sz="1600" dirty="0">
+                      <a:endParaRPr lang="en-US" sz="1800" dirty="0">
                         <a:effectLst/>
                       </a:endParaRPr>
                     </a:p>
@@ -23952,12 +24351,12 @@
                         </a:spcAft>
                       </a:pPr>
                       <a:r>
-                        <a:rPr lang="en-US" sz="1600" u="none" strike="noStrike" dirty="0">
+                        <a:rPr lang="en-US" sz="1800" u="none" strike="noStrike" dirty="0">
                           <a:effectLst/>
                         </a:rPr>
                         <a:t>06</a:t>
                       </a:r>
-                      <a:endParaRPr lang="en-US" sz="1600" dirty="0">
+                      <a:endParaRPr lang="en-US" sz="1800" dirty="0">
                         <a:effectLst/>
                       </a:endParaRPr>
                     </a:p>
@@ -23985,12 +24384,12 @@
                         </a:spcAft>
                       </a:pPr>
                       <a:r>
-                        <a:rPr lang="en-US" sz="1500" u="none" strike="noStrike" dirty="0">
+                        <a:rPr lang="en-US" sz="1800" u="none" strike="noStrike" dirty="0">
                           <a:effectLst/>
                         </a:rPr>
                         <a:t>09</a:t>
                       </a:r>
-                      <a:endParaRPr lang="en-US" sz="1500" dirty="0">
+                      <a:endParaRPr lang="en-US" sz="1800" dirty="0">
                         <a:effectLst/>
                       </a:endParaRPr>
                     </a:p>
@@ -24011,12 +24410,12 @@
                         </a:spcAft>
                       </a:pPr>
                       <a:r>
-                        <a:rPr lang="en-US" sz="1500" u="none" strike="noStrike" dirty="0">
+                        <a:rPr lang="en-US" sz="1800" u="none" strike="noStrike" dirty="0">
                           <a:effectLst/>
                         </a:rPr>
                         <a:t>Key Functionality</a:t>
                       </a:r>
-                      <a:endParaRPr lang="en-US" sz="1500" dirty="0">
+                      <a:endParaRPr lang="en-US" sz="1800" dirty="0">
                         <a:effectLst/>
                       </a:endParaRPr>
                     </a:p>
@@ -24037,12 +24436,12 @@
                         </a:spcAft>
                       </a:pPr>
                       <a:r>
-                        <a:rPr lang="en-US" sz="1500" u="none" strike="noStrike" dirty="0">
+                        <a:rPr lang="en-US" sz="1800" u="none" strike="noStrike" dirty="0">
                           <a:effectLst/>
                         </a:rPr>
                         <a:t>07</a:t>
                       </a:r>
-                      <a:endParaRPr lang="en-US" sz="1500" dirty="0">
+                      <a:endParaRPr lang="en-US" sz="1800" dirty="0">
                         <a:effectLst/>
                       </a:endParaRPr>
                     </a:p>
@@ -24161,18 +24560,25 @@
   <p:clrMapOvr>
     <a:masterClrMapping/>
   </p:clrMapOvr>
-  <mc:AlternateContent xmlns:mc="http://schemas.openxmlformats.org/markup-compatibility/2006">
-    <mc:Choice xmlns:p14="http://schemas.microsoft.com/office/powerpoint/2010/main" Requires="p14">
+  <mc:AlternateContent xmlns:mc="http://schemas.openxmlformats.org/markup-compatibility/2006" xmlns:p14="http://schemas.microsoft.com/office/powerpoint/2010/main">
+    <mc:Choice Requires="p14">
       <p:transition spd="slow" p14:dur="3400">
         <p14:reveal/>
       </p:transition>
     </mc:Choice>
-    <mc:Fallback>
+    <mc:Fallback xmlns="">
       <p:transition spd="slow">
         <p:fade/>
       </p:transition>
     </mc:Fallback>
   </mc:AlternateContent>
+  <p:timing>
+    <p:tnLst>
+      <p:par>
+        <p:cTn id="1" dur="indefinite" restart="never" nodeType="tmRoot"/>
+      </p:par>
+    </p:tnLst>
+  </p:timing>
 </p:sld>
 </file>
 
@@ -24202,7 +24608,7 @@
           <p:nvPr>
             <p:extLst>
               <p:ext uri="{D42A27DB-BD31-4B8C-83A1-F6EECF244321}">
-                <p14:modId xmlns:p14="http://schemas.microsoft.com/office/powerpoint/2010/main" val="3278133156"/>
+                <p14:modId xmlns:p14="http://schemas.microsoft.com/office/powerpoint/2010/main" val="608069755"/>
               </p:ext>
             </p:extLst>
           </p:nvPr>
@@ -24255,18 +24661,18 @@
                         </a:spcAft>
                       </a:pPr>
                       <a:r>
-                        <a:rPr lang="en-US" sz="1500" b="1" u="none" strike="noStrike" dirty="0" err="1">
+                        <a:rPr lang="en-US" sz="1800" b="1" u="none" strike="noStrike" dirty="0" err="1">
                           <a:effectLst/>
                         </a:rPr>
                         <a:t>Sl</a:t>
                       </a:r>
                       <a:r>
-                        <a:rPr lang="en-US" sz="1500" b="1" u="none" strike="noStrike" dirty="0">
+                        <a:rPr lang="en-US" sz="1800" b="1" u="none" strike="noStrike" dirty="0">
                           <a:effectLst/>
                         </a:rPr>
                         <a:t> No</a:t>
                       </a:r>
-                      <a:endParaRPr lang="en-US" sz="1500" b="1" dirty="0">
+                      <a:endParaRPr lang="en-US" sz="1800" b="1" dirty="0">
                         <a:effectLst/>
                       </a:endParaRPr>
                     </a:p>
@@ -24287,12 +24693,12 @@
                         </a:spcAft>
                       </a:pPr>
                       <a:r>
-                        <a:rPr lang="en-US" sz="1500" b="1" u="none" strike="noStrike" dirty="0">
+                        <a:rPr lang="en-US" sz="1800" b="1" u="none" strike="noStrike" dirty="0">
                           <a:effectLst/>
                         </a:rPr>
                         <a:t>Name</a:t>
                       </a:r>
-                      <a:endParaRPr lang="en-US" sz="1500" b="1" dirty="0">
+                      <a:endParaRPr lang="en-US" sz="1800" b="1" dirty="0">
                         <a:effectLst/>
                       </a:endParaRPr>
                     </a:p>
@@ -24313,12 +24719,12 @@
                         </a:spcAft>
                       </a:pPr>
                       <a:r>
-                        <a:rPr lang="en-US" sz="1500" b="1" u="none" strike="noStrike" dirty="0">
+                        <a:rPr lang="en-US" sz="1800" b="1" u="none" strike="noStrike" dirty="0">
                           <a:effectLst/>
                         </a:rPr>
                         <a:t>Page Number</a:t>
                       </a:r>
-                      <a:endParaRPr lang="en-US" sz="1500" b="1" dirty="0">
+                      <a:endParaRPr lang="en-US" sz="1800" b="1" dirty="0">
                         <a:effectLst/>
                       </a:endParaRPr>
                     </a:p>
@@ -24346,12 +24752,12 @@
                         </a:spcAft>
                       </a:pPr>
                       <a:r>
-                        <a:rPr lang="en-US" sz="1500" u="none" strike="noStrike">
+                        <a:rPr lang="en-US" sz="1800" u="none" strike="noStrike">
                           <a:effectLst/>
                         </a:rPr>
                         <a:t>10</a:t>
                       </a:r>
-                      <a:endParaRPr lang="en-US" sz="1500">
+                      <a:endParaRPr lang="en-US" sz="1800">
                         <a:effectLst/>
                       </a:endParaRPr>
                     </a:p>
@@ -24372,12 +24778,12 @@
                         </a:spcAft>
                       </a:pPr>
                       <a:r>
-                        <a:rPr lang="en-US" sz="1500" u="none" strike="noStrike" dirty="0">
+                        <a:rPr lang="en-US" sz="1800" u="none" strike="noStrike" dirty="0">
                           <a:effectLst/>
                         </a:rPr>
                         <a:t>Target User</a:t>
                       </a:r>
-                      <a:endParaRPr lang="en-US" sz="1500" dirty="0">
+                      <a:endParaRPr lang="en-US" sz="1800" dirty="0">
                         <a:effectLst/>
                       </a:endParaRPr>
                     </a:p>
@@ -24398,12 +24804,12 @@
                         </a:spcAft>
                       </a:pPr>
                       <a:r>
-                        <a:rPr lang="en-US" sz="1500" u="none" strike="noStrike" dirty="0">
+                        <a:rPr lang="en-US" sz="1800" u="none" strike="noStrike" dirty="0">
                           <a:effectLst/>
                         </a:rPr>
                         <a:t>08</a:t>
                       </a:r>
-                      <a:endParaRPr lang="en-US" sz="1500" dirty="0">
+                      <a:endParaRPr lang="en-US" sz="1800" dirty="0">
                         <a:effectLst/>
                       </a:endParaRPr>
                     </a:p>
@@ -24431,12 +24837,12 @@
                         </a:spcAft>
                       </a:pPr>
                       <a:r>
-                        <a:rPr lang="en-US" sz="1500" u="none" strike="noStrike">
+                        <a:rPr lang="en-US" sz="1800" u="none" strike="noStrike">
                           <a:effectLst/>
                         </a:rPr>
                         <a:t>11</a:t>
                       </a:r>
-                      <a:endParaRPr lang="en-US" sz="1500">
+                      <a:endParaRPr lang="en-US" sz="1800">
                         <a:effectLst/>
                       </a:endParaRPr>
                     </a:p>
@@ -24457,18 +24863,18 @@
                         </a:spcAft>
                       </a:pPr>
                       <a:r>
-                        <a:rPr lang="en-US" sz="1500" u="none" strike="noStrike" dirty="0" err="1">
+                        <a:rPr lang="en-US" sz="1800" u="none" strike="noStrike" dirty="0" err="1">
                           <a:effectLst/>
                         </a:rPr>
                         <a:t>Techonology</a:t>
                       </a:r>
                       <a:r>
-                        <a:rPr lang="en-US" sz="1500" u="none" strike="noStrike" dirty="0">
+                        <a:rPr lang="en-US" sz="1800" u="none" strike="noStrike" dirty="0">
                           <a:effectLst/>
                         </a:rPr>
                         <a:t> Used </a:t>
                       </a:r>
-                      <a:endParaRPr lang="en-US" sz="1500" dirty="0">
+                      <a:endParaRPr lang="en-US" sz="1800" dirty="0">
                         <a:effectLst/>
                       </a:endParaRPr>
                     </a:p>
@@ -24489,12 +24895,12 @@
                         </a:spcAft>
                       </a:pPr>
                       <a:r>
-                        <a:rPr lang="en-US" sz="1500" u="none" strike="noStrike" dirty="0">
+                        <a:rPr lang="en-US" sz="1800" u="none" strike="noStrike" dirty="0">
                           <a:effectLst/>
                         </a:rPr>
                         <a:t>09</a:t>
                       </a:r>
-                      <a:endParaRPr lang="en-US" sz="1500" dirty="0">
+                      <a:endParaRPr lang="en-US" sz="1800" dirty="0">
                         <a:effectLst/>
                       </a:endParaRPr>
                     </a:p>
@@ -24522,12 +24928,12 @@
                         </a:spcAft>
                       </a:pPr>
                       <a:r>
-                        <a:rPr lang="en-US" sz="1500" u="none" strike="noStrike">
+                        <a:rPr lang="en-US" sz="1800" u="none" strike="noStrike">
                           <a:effectLst/>
                         </a:rPr>
                         <a:t>12</a:t>
                       </a:r>
-                      <a:endParaRPr lang="en-US" sz="1500">
+                      <a:endParaRPr lang="en-US" sz="1800">
                         <a:effectLst/>
                       </a:endParaRPr>
                     </a:p>
@@ -24548,12 +24954,12 @@
                         </a:spcAft>
                       </a:pPr>
                       <a:r>
-                        <a:rPr lang="en-US" sz="1500" u="none" strike="noStrike" dirty="0">
+                        <a:rPr lang="en-US" sz="1800" u="none" strike="noStrike" dirty="0">
                           <a:effectLst/>
                         </a:rPr>
                         <a:t>Gantt Chart</a:t>
                       </a:r>
-                      <a:endParaRPr lang="en-US" sz="1500" dirty="0">
+                      <a:endParaRPr lang="en-US" sz="1800" dirty="0">
                         <a:effectLst/>
                       </a:endParaRPr>
                     </a:p>
@@ -24574,12 +24980,12 @@
                         </a:spcAft>
                       </a:pPr>
                       <a:r>
-                        <a:rPr lang="en-US" sz="1500" u="none" strike="noStrike" dirty="0">
+                        <a:rPr lang="en-US" sz="1800" u="none" strike="noStrike" dirty="0">
                           <a:effectLst/>
                         </a:rPr>
                         <a:t>10</a:t>
                       </a:r>
-                      <a:endParaRPr lang="en-US" sz="1500" dirty="0">
+                      <a:endParaRPr lang="en-US" sz="1800" dirty="0">
                         <a:effectLst/>
                       </a:endParaRPr>
                     </a:p>
@@ -24607,12 +25013,12 @@
                         </a:spcAft>
                       </a:pPr>
                       <a:r>
-                        <a:rPr lang="en-US" sz="1500" u="none" strike="noStrike">
+                        <a:rPr lang="en-US" sz="1800" u="none" strike="noStrike">
                           <a:effectLst/>
                         </a:rPr>
                         <a:t>13</a:t>
                       </a:r>
-                      <a:endParaRPr lang="en-US" sz="1500">
+                      <a:endParaRPr lang="en-US" sz="1800">
                         <a:effectLst/>
                       </a:endParaRPr>
                     </a:p>
@@ -24633,12 +25039,12 @@
                         </a:spcAft>
                       </a:pPr>
                       <a:r>
-                        <a:rPr lang="en-US" sz="1500" u="none" strike="noStrike" dirty="0">
+                        <a:rPr lang="en-US" sz="1800" u="none" strike="noStrike" dirty="0">
                           <a:effectLst/>
                         </a:rPr>
                         <a:t>Software workflow</a:t>
                       </a:r>
-                      <a:endParaRPr lang="en-US" sz="1500" dirty="0">
+                      <a:endParaRPr lang="en-US" sz="1800" dirty="0">
                         <a:effectLst/>
                       </a:endParaRPr>
                     </a:p>
@@ -24659,12 +25065,12 @@
                         </a:spcAft>
                       </a:pPr>
                       <a:r>
-                        <a:rPr lang="en-US" sz="1500" u="none" strike="noStrike" dirty="0">
+                        <a:rPr lang="en-US" sz="1800" u="none" strike="noStrike" dirty="0">
                           <a:effectLst/>
                         </a:rPr>
                         <a:t>11</a:t>
                       </a:r>
-                      <a:endParaRPr lang="en-US" sz="1500" dirty="0">
+                      <a:endParaRPr lang="en-US" sz="1800" dirty="0">
                         <a:effectLst/>
                       </a:endParaRPr>
                     </a:p>
@@ -24692,12 +25098,12 @@
                         </a:spcAft>
                       </a:pPr>
                       <a:r>
-                        <a:rPr lang="en-US" sz="1500" u="none" strike="noStrike">
+                        <a:rPr lang="en-US" sz="1800" u="none" strike="noStrike">
                           <a:effectLst/>
                         </a:rPr>
                         <a:t>14</a:t>
                       </a:r>
-                      <a:endParaRPr lang="en-US" sz="1500">
+                      <a:endParaRPr lang="en-US" sz="1800">
                         <a:effectLst/>
                       </a:endParaRPr>
                     </a:p>
@@ -24718,12 +25124,12 @@
                         </a:spcAft>
                       </a:pPr>
                       <a:r>
-                        <a:rPr lang="en-US" sz="1500" u="none" strike="noStrike" dirty="0">
+                        <a:rPr lang="en-US" sz="1800" u="none" strike="noStrike" dirty="0">
                           <a:effectLst/>
                         </a:rPr>
                         <a:t>ER-Diagram</a:t>
                       </a:r>
-                      <a:endParaRPr lang="en-US" sz="1500" dirty="0">
+                      <a:endParaRPr lang="en-US" sz="1800" dirty="0">
                         <a:effectLst/>
                       </a:endParaRPr>
                     </a:p>
@@ -24744,12 +25150,12 @@
                         </a:spcAft>
                       </a:pPr>
                       <a:r>
-                        <a:rPr lang="en-US" sz="1500" u="none" strike="noStrike" dirty="0">
+                        <a:rPr lang="en-US" sz="1800" u="none" strike="noStrike" dirty="0">
                           <a:effectLst/>
                         </a:rPr>
                         <a:t>12</a:t>
                       </a:r>
-                      <a:endParaRPr lang="en-US" sz="1500" dirty="0">
+                      <a:endParaRPr lang="en-US" sz="1800" dirty="0">
                         <a:effectLst/>
                       </a:endParaRPr>
                     </a:p>
@@ -24777,12 +25183,12 @@
                         </a:spcAft>
                       </a:pPr>
                       <a:r>
-                        <a:rPr lang="en-US" sz="1500" u="none" strike="noStrike">
+                        <a:rPr lang="en-US" sz="1800" u="none" strike="noStrike">
                           <a:effectLst/>
                         </a:rPr>
                         <a:t>15</a:t>
                       </a:r>
-                      <a:endParaRPr lang="en-US" sz="1500">
+                      <a:endParaRPr lang="en-US" sz="1800">
                         <a:effectLst/>
                       </a:endParaRPr>
                     </a:p>
@@ -24803,12 +25209,12 @@
                         </a:spcAft>
                       </a:pPr>
                       <a:r>
-                        <a:rPr lang="en-US" sz="1500" u="none" strike="noStrike" dirty="0">
+                        <a:rPr lang="en-US" sz="1800" u="none" strike="noStrike" dirty="0">
                           <a:effectLst/>
                         </a:rPr>
                         <a:t>Demo Registration and login forms</a:t>
                       </a:r>
-                      <a:endParaRPr lang="en-US" sz="1500" dirty="0">
+                      <a:endParaRPr lang="en-US" sz="1800" dirty="0">
                         <a:effectLst/>
                       </a:endParaRPr>
                     </a:p>
@@ -24829,12 +25235,12 @@
                         </a:spcAft>
                       </a:pPr>
                       <a:r>
-                        <a:rPr lang="en-US" sz="1500" u="none" strike="noStrike" dirty="0">
+                        <a:rPr lang="en-US" sz="1800" u="none" strike="noStrike" dirty="0">
                           <a:effectLst/>
                         </a:rPr>
                         <a:t>13</a:t>
                       </a:r>
-                      <a:endParaRPr lang="en-US" sz="1500" dirty="0">
+                      <a:endParaRPr lang="en-US" sz="1800" dirty="0">
                         <a:effectLst/>
                       </a:endParaRPr>
                     </a:p>
@@ -24862,12 +25268,12 @@
                         </a:spcAft>
                       </a:pPr>
                       <a:r>
-                        <a:rPr lang="en-US" sz="1500" u="none" strike="noStrike" dirty="0">
+                        <a:rPr lang="en-US" sz="1800" u="none" strike="noStrike" dirty="0">
                           <a:effectLst/>
                         </a:rPr>
                         <a:t>16</a:t>
                       </a:r>
-                      <a:endParaRPr lang="en-US" sz="1500" dirty="0">
+                      <a:endParaRPr lang="en-US" sz="1800" dirty="0">
                         <a:effectLst/>
                       </a:endParaRPr>
                     </a:p>
@@ -24888,12 +25294,12 @@
                         </a:spcAft>
                       </a:pPr>
                       <a:r>
-                        <a:rPr lang="en-US" sz="1500" u="none" strike="noStrike" dirty="0">
+                        <a:rPr lang="en-US" sz="1800" u="none" strike="noStrike" dirty="0">
                           <a:effectLst/>
                         </a:rPr>
                         <a:t>Demo Dashboard</a:t>
                       </a:r>
-                      <a:endParaRPr lang="en-US" sz="1500" dirty="0">
+                      <a:endParaRPr lang="en-US" sz="1800" dirty="0">
                         <a:effectLst/>
                       </a:endParaRPr>
                     </a:p>
@@ -24914,12 +25320,12 @@
                         </a:spcAft>
                       </a:pPr>
                       <a:r>
-                        <a:rPr lang="en-US" sz="1500" u="none" strike="noStrike" dirty="0">
+                        <a:rPr lang="en-US" sz="1800" u="none" strike="noStrike" dirty="0">
                           <a:effectLst/>
                         </a:rPr>
                         <a:t>14</a:t>
                       </a:r>
-                      <a:endParaRPr lang="en-US" sz="1500" dirty="0">
+                      <a:endParaRPr lang="en-US" sz="1800" dirty="0">
                         <a:effectLst/>
                       </a:endParaRPr>
                     </a:p>
@@ -24947,7 +25353,7 @@
                         </a:spcAft>
                       </a:pPr>
                       <a:r>
-                        <a:rPr lang="en-US" sz="1500" dirty="0">
+                        <a:rPr lang="en-US" sz="1800" dirty="0">
                           <a:effectLst/>
                         </a:rPr>
                         <a:t>17</a:t>
@@ -24970,7 +25376,7 @@
                         </a:spcAft>
                       </a:pPr>
                       <a:r>
-                        <a:rPr lang="en-US" sz="1500" dirty="0">
+                        <a:rPr lang="en-US" sz="1800" dirty="0">
                           <a:effectLst/>
                         </a:rPr>
                         <a:t>Demo Homepage</a:t>
@@ -24993,7 +25399,7 @@
                         </a:spcAft>
                       </a:pPr>
                       <a:r>
-                        <a:rPr lang="en-US" sz="1500" dirty="0">
+                        <a:rPr lang="en-US" sz="1800" dirty="0">
                           <a:effectLst/>
                         </a:rPr>
                         <a:t>15</a:t>
@@ -25023,7 +25429,7 @@
                         </a:spcAft>
                       </a:pPr>
                       <a:r>
-                        <a:rPr lang="en-US" sz="1500" dirty="0">
+                        <a:rPr lang="en-US" sz="1800" dirty="0">
                           <a:effectLst/>
                         </a:rPr>
                         <a:t>18</a:t>
@@ -25046,7 +25452,7 @@
                         </a:spcAft>
                       </a:pPr>
                       <a:r>
-                        <a:rPr lang="en-US" sz="1500" dirty="0">
+                        <a:rPr lang="en-US" sz="1800" dirty="0">
                           <a:effectLst/>
                         </a:rPr>
                         <a:t>Demo Payment Method</a:t>
@@ -25069,7 +25475,7 @@
                         </a:spcAft>
                       </a:pPr>
                       <a:r>
-                        <a:rPr lang="en-US" sz="1500" dirty="0">
+                        <a:rPr lang="en-US" sz="1800" dirty="0">
                           <a:effectLst/>
                         </a:rPr>
                         <a:t>16</a:t>
@@ -25099,7 +25505,7 @@
                         </a:spcAft>
                       </a:pPr>
                       <a:r>
-                        <a:rPr lang="en-US" sz="1500" dirty="0">
+                        <a:rPr lang="en-US" sz="1800" dirty="0">
                           <a:effectLst/>
                         </a:rPr>
                         <a:t>19</a:t>
@@ -25122,7 +25528,7 @@
                         </a:spcAft>
                       </a:pPr>
                       <a:r>
-                        <a:rPr lang="en-US" sz="1500" dirty="0">
+                        <a:rPr lang="en-US" sz="1800" dirty="0">
                           <a:effectLst/>
                         </a:rPr>
                         <a:t>Conclusion</a:t>
@@ -25145,7 +25551,7 @@
                         </a:spcAft>
                       </a:pPr>
                       <a:r>
-                        <a:rPr lang="en-US" sz="1500" dirty="0">
+                        <a:rPr lang="en-US" sz="1800" dirty="0">
                           <a:effectLst/>
                         </a:rPr>
                         <a:t>17</a:t>
@@ -25175,7 +25581,7 @@
                         </a:spcAft>
                       </a:pPr>
                       <a:r>
-                        <a:rPr lang="en-US" sz="1500" dirty="0">
+                        <a:rPr lang="en-US" sz="1800" dirty="0">
                           <a:effectLst/>
                         </a:rPr>
                         <a:t>20</a:t>
@@ -25198,7 +25604,7 @@
                         </a:spcAft>
                       </a:pPr>
                       <a:r>
-                        <a:rPr lang="en-US" sz="1500" dirty="0">
+                        <a:rPr lang="en-US" sz="1800" dirty="0">
                           <a:effectLst/>
                         </a:rPr>
                         <a:t>Thank you </a:t>
@@ -25221,7 +25627,7 @@
                         </a:spcAft>
                       </a:pPr>
                       <a:r>
-                        <a:rPr lang="en-US" sz="1500" dirty="0">
+                        <a:rPr lang="en-US" sz="1800" dirty="0">
                           <a:effectLst/>
                         </a:rPr>
                         <a:t>18</a:t>
@@ -25313,18 +25719,25 @@
   <p:clrMapOvr>
     <a:masterClrMapping/>
   </p:clrMapOvr>
-  <mc:AlternateContent xmlns:mc="http://schemas.openxmlformats.org/markup-compatibility/2006">
-    <mc:Choice xmlns:p14="http://schemas.microsoft.com/office/powerpoint/2010/main" Requires="p14">
+  <mc:AlternateContent xmlns:mc="http://schemas.openxmlformats.org/markup-compatibility/2006" xmlns:p14="http://schemas.microsoft.com/office/powerpoint/2010/main">
+    <mc:Choice Requires="p14">
       <p:transition spd="slow" p14:dur="3400">
         <p14:reveal/>
       </p:transition>
     </mc:Choice>
-    <mc:Fallback>
+    <mc:Fallback xmlns="">
       <p:transition spd="slow">
         <p:fade/>
       </p:transition>
     </mc:Fallback>
   </mc:AlternateContent>
+  <p:timing>
+    <p:tnLst>
+      <p:par>
+        <p:cTn id="1" dur="indefinite" restart="never" nodeType="tmRoot"/>
+      </p:par>
+    </p:tnLst>
+  </p:timing>
 </p:sld>
 </file>
 
@@ -25354,7 +25767,7 @@
         <p:spPr>
           <a:xfrm>
             <a:off x="675773" y="1010245"/>
-            <a:ext cx="10840453" cy="5847755"/>
+            <a:ext cx="10840453" cy="5909310"/>
           </a:xfrm>
           <a:prstGeom prst="rect">
             <a:avLst/>
@@ -25368,9 +25781,10 @@
           <a:lstStyle/>
           <a:p>
             <a:r>
-              <a:rPr lang="en-US" sz="2200" b="1" dirty="0"/>
-              <a:t>Introduction :</a:t>
+              <a:rPr lang="en-US" sz="2400" b="1" dirty="0"/>
+              <a:t>Introduction </a:t>
             </a:r>
+            <a:endParaRPr lang="en-US" sz="2400" b="1" dirty="0"/>
           </a:p>
           <a:p>
             <a:endParaRPr lang="en-US" sz="2200" b="1" dirty="0"/>
@@ -25389,9 +25803,10 @@
           </a:p>
           <a:p>
             <a:r>
-              <a:rPr lang="en-US" sz="2200" b="1" dirty="0"/>
-              <a:t>Objective:</a:t>
+              <a:rPr lang="en-US" sz="2400" b="1" dirty="0" smtClean="0"/>
+              <a:t>Objective</a:t>
             </a:r>
+            <a:endParaRPr lang="en-US" sz="2400" b="1" dirty="0"/>
           </a:p>
           <a:p>
             <a:endParaRPr lang="en-US" sz="2200" b="1" dirty="0"/>
@@ -25423,18 +25838,25 @@
   <p:clrMapOvr>
     <a:masterClrMapping/>
   </p:clrMapOvr>
-  <mc:AlternateContent xmlns:mc="http://schemas.openxmlformats.org/markup-compatibility/2006">
-    <mc:Choice xmlns:p14="http://schemas.microsoft.com/office/powerpoint/2010/main" Requires="p14">
+  <mc:AlternateContent xmlns:mc="http://schemas.openxmlformats.org/markup-compatibility/2006" xmlns:p14="http://schemas.microsoft.com/office/powerpoint/2010/main">
+    <mc:Choice Requires="p14">
       <p:transition spd="slow" p14:dur="3400">
         <p14:reveal/>
       </p:transition>
     </mc:Choice>
-    <mc:Fallback>
+    <mc:Fallback xmlns="">
       <p:transition spd="slow">
         <p:fade/>
       </p:transition>
     </mc:Fallback>
   </mc:AlternateContent>
+  <p:timing>
+    <p:tnLst>
+      <p:par>
+        <p:cTn id="1" dur="indefinite" restart="never" nodeType="tmRoot"/>
+      </p:par>
+    </p:tnLst>
+  </p:timing>
 </p:sld>
 </file>
 
@@ -25465,8 +25887,8 @@
         </p:nvSpPr>
         <p:spPr bwMode="auto">
           <a:xfrm>
-            <a:off x="800100" y="657464"/>
-            <a:ext cx="10591800" cy="5170646"/>
+            <a:off x="800100" y="626686"/>
+            <a:ext cx="10591800" cy="5232202"/>
           </a:xfrm>
           <a:prstGeom prst="rect">
             <a:avLst/>
@@ -25542,9 +25964,10 @@
           </a:p>
           <a:p>
             <a:r>
-              <a:rPr lang="en-US" sz="2200" b="1" dirty="0"/>
-              <a:t>Description:</a:t>
+              <a:rPr lang="en-US" sz="2400" b="1" dirty="0" smtClean="0"/>
+              <a:t>Description</a:t>
             </a:r>
+            <a:endParaRPr lang="en-US" sz="2400" b="1" dirty="0"/>
           </a:p>
           <a:p>
             <a:endParaRPr lang="en-US" sz="2200" b="1" dirty="0"/>
@@ -25600,7 +26023,7 @@
               <a:tabLst/>
             </a:pPr>
             <a:r>
-              <a:rPr kumimoji="0" lang="en-US" altLang="en-US" sz="2200" b="1" i="0" u="none" strike="noStrike" cap="none" normalizeH="0" baseline="0" dirty="0">
+              <a:rPr kumimoji="0" lang="en-US" altLang="en-US" sz="2400" b="1" i="0" u="none" strike="noStrike" cap="none" normalizeH="0" baseline="0" dirty="0">
                 <a:ln>
                   <a:noFill/>
                 </a:ln>
@@ -25612,10 +26035,10 @@
               <a:t>Analysis of Requirements</a:t>
             </a:r>
             <a:r>
-              <a:rPr lang="en-US" altLang="en-US" sz="2200" dirty="0"/>
-              <a:t> :</a:t>
+              <a:rPr lang="en-US" altLang="en-US" sz="2400" b="1" dirty="0"/>
+              <a:t> </a:t>
             </a:r>
-            <a:endParaRPr kumimoji="0" lang="en-US" altLang="en-US" sz="2200" i="0" u="none" strike="noStrike" cap="none" normalizeH="0" baseline="0" dirty="0">
+            <a:endParaRPr kumimoji="0" lang="en-US" altLang="en-US" sz="2400" b="1" i="0" u="none" strike="noStrike" cap="none" normalizeH="0" baseline="0" dirty="0">
               <a:ln>
                 <a:noFill/>
               </a:ln>
@@ -25642,6 +26065,18 @@
               <a:buNone/>
               <a:tabLst/>
             </a:pPr>
+            <a:r>
+              <a:rPr kumimoji="0" lang="en-US" altLang="en-US" sz="2200" b="0" i="0" u="none" strike="noStrike" cap="none" normalizeH="0" baseline="0" dirty="0">
+                <a:ln>
+                  <a:noFill/>
+                </a:ln>
+                <a:solidFill>
+                  <a:schemeClr val="tx1"/>
+                </a:solidFill>
+                <a:effectLst/>
+              </a:rPr>
+              <a:t/>
+            </a:r>
             <a:br>
               <a:rPr kumimoji="0" lang="en-US" altLang="en-US" sz="2200" b="0" i="0" u="none" strike="noStrike" cap="none" normalizeH="0" baseline="0" dirty="0">
                 <a:ln>
@@ -25698,18 +26133,25 @@
   <p:clrMapOvr>
     <a:masterClrMapping/>
   </p:clrMapOvr>
-  <mc:AlternateContent xmlns:mc="http://schemas.openxmlformats.org/markup-compatibility/2006">
-    <mc:Choice xmlns:p14="http://schemas.microsoft.com/office/powerpoint/2010/main" Requires="p14">
+  <mc:AlternateContent xmlns:mc="http://schemas.openxmlformats.org/markup-compatibility/2006" xmlns:p14="http://schemas.microsoft.com/office/powerpoint/2010/main">
+    <mc:Choice Requires="p14">
       <p:transition spd="slow" p14:dur="3400">
         <p14:reveal/>
       </p:transition>
     </mc:Choice>
-    <mc:Fallback>
+    <mc:Fallback xmlns="">
       <p:transition spd="slow">
         <p:fade/>
       </p:transition>
     </mc:Fallback>
   </mc:AlternateContent>
+  <p:timing>
+    <p:tnLst>
+      <p:par>
+        <p:cTn id="1" dur="indefinite" restart="never" nodeType="tmRoot"/>
+      </p:par>
+    </p:tnLst>
+  </p:timing>
 </p:sld>
 </file>
 
@@ -25803,7 +26245,7 @@
               <a:buChar char="Ø"/>
             </a:pPr>
             <a:r>
-              <a:rPr lang="en-US" dirty="0"/>
+              <a:rPr lang="en-US" sz="2200" dirty="0"/>
               <a:t>Admin Panel</a:t>
             </a:r>
           </a:p>
@@ -25818,7 +26260,7 @@
               <a:buChar char="Ø"/>
             </a:pPr>
             <a:r>
-              <a:rPr lang="en-US" dirty="0"/>
+              <a:rPr lang="en-US" sz="2200" dirty="0"/>
               <a:t>Donor Portal</a:t>
             </a:r>
           </a:p>
@@ -25833,7 +26275,7 @@
               <a:buChar char="Ø"/>
             </a:pPr>
             <a:r>
-              <a:rPr lang="en-US" dirty="0"/>
+              <a:rPr lang="en-US" sz="2200" dirty="0"/>
               <a:t>Beneficiary Records</a:t>
             </a:r>
           </a:p>
@@ -25848,7 +26290,7 @@
               <a:buChar char="Ø"/>
             </a:pPr>
             <a:r>
-              <a:rPr lang="en-US" dirty="0"/>
+              <a:rPr lang="en-US" sz="2200" dirty="0"/>
               <a:t>Campaign Management</a:t>
             </a:r>
           </a:p>
@@ -25863,7 +26305,7 @@
               <a:buChar char="Ø"/>
             </a:pPr>
             <a:r>
-              <a:rPr lang="en-US" dirty="0"/>
+              <a:rPr lang="en-US" sz="2200" dirty="0"/>
               <a:t>Payment Integration</a:t>
             </a:r>
           </a:p>
@@ -25878,12 +26320,12 @@
               <a:buChar char="Ø"/>
             </a:pPr>
             <a:r>
-              <a:rPr lang="en-US" dirty="0"/>
+              <a:rPr lang="en-US" sz="2200" dirty="0"/>
               <a:t>Reports &amp; Analytics</a:t>
             </a:r>
           </a:p>
           <a:p>
-            <a:endParaRPr lang="en-US" dirty="0"/>
+            <a:endParaRPr lang="en-US" sz="2200" dirty="0"/>
           </a:p>
         </p:txBody>
       </p:sp>
@@ -25927,18 +26369,25 @@
   <p:clrMapOvr>
     <a:masterClrMapping/>
   </p:clrMapOvr>
-  <mc:AlternateContent xmlns:mc="http://schemas.openxmlformats.org/markup-compatibility/2006">
-    <mc:Choice xmlns:p14="http://schemas.microsoft.com/office/powerpoint/2010/main" Requires="p14">
+  <mc:AlternateContent xmlns:mc="http://schemas.openxmlformats.org/markup-compatibility/2006" xmlns:p14="http://schemas.microsoft.com/office/powerpoint/2010/main">
+    <mc:Choice Requires="p14">
       <p:transition spd="slow" p14:dur="3400">
         <p14:reveal/>
       </p:transition>
     </mc:Choice>
-    <mc:Fallback>
+    <mc:Fallback xmlns="">
       <p:transition spd="slow">
         <p:fade/>
       </p:transition>
     </mc:Fallback>
   </mc:AlternateContent>
+  <p:timing>
+    <p:tnLst>
+      <p:par>
+        <p:cTn id="1" dur="indefinite" restart="never" nodeType="tmRoot"/>
+      </p:par>
+    </p:tnLst>
+  </p:timing>
 </p:sld>
 </file>
 
@@ -26794,6 +27243,15 @@
 </file>
 
 <file path=customXml/item1.xml><?xml version="1.0" encoding="utf-8"?>
+<?mso-contentType ?>
+<FormTemplates xmlns="http://schemas.microsoft.com/sharepoint/v3/contenttype/forms">
+  <Display>DocumentLibraryForm</Display>
+  <Edit>DocumentLibraryForm</Edit>
+  <New>DocumentLibraryForm</New>
+</FormTemplates>
+</file>
+
+<file path=customXml/item2.xml><?xml version="1.0" encoding="utf-8"?>
 <ct:contentTypeSchema xmlns:ct="http://schemas.microsoft.com/office/2006/metadata/contentType" xmlns:ma="http://schemas.microsoft.com/office/2006/metadata/properties/metaAttributes" ct:_="" ma:_="" ma:contentTypeName="Document" ma:contentTypeID="0x01010079F111ED35F8CC479449609E8A0923A6" ma:contentTypeVersion="11" ma:contentTypeDescription="Create a new document." ma:contentTypeScope="" ma:versionID="96291512c1ee715ab617f4c07df79fc1">
   <xsd:schema xmlns:xsd="http://www.w3.org/2001/XMLSchema" xmlns:xs="http://www.w3.org/2001/XMLSchema" xmlns:p="http://schemas.microsoft.com/office/2006/metadata/properties" xmlns:ns2="71af3243-3dd4-4a8d-8c0d-dd76da1f02a5" xmlns:ns3="16c05727-aa75-4e4a-9b5f-8a80a1165891" targetNamespace="http://schemas.microsoft.com/office/2006/metadata/properties" ma:root="true" ma:fieldsID="8256c27c40ca5c40ce1cf6c44f0205df" ns2:_="" ns3:_="">
     <xsd:import namespace="71af3243-3dd4-4a8d-8c0d-dd76da1f02a5"/>
@@ -27004,15 +27462,6 @@
 </ct:contentTypeSchema>
 </file>
 
-<file path=customXml/item2.xml><?xml version="1.0" encoding="utf-8"?>
-<?mso-contentType ?>
-<FormTemplates xmlns="http://schemas.microsoft.com/sharepoint/v3/contenttype/forms">
-  <Display>DocumentLibraryForm</Display>
-  <Edit>DocumentLibraryForm</Edit>
-  <New>DocumentLibraryForm</New>
-</FormTemplates>
-</file>
-
 <file path=customXml/item3.xml><?xml version="1.0" encoding="utf-8"?>
 <p:properties xmlns:p="http://schemas.microsoft.com/office/2006/metadata/properties" xmlns:xsi="http://www.w3.org/2001/XMLSchema-instance" xmlns:pc="http://schemas.microsoft.com/office/infopath/2007/PartnerControls">
   <documentManagement>
@@ -27022,6 +27471,14 @@
 </file>
 
 <file path=customXml/itemProps1.xml><?xml version="1.0" encoding="utf-8"?>
+<ds:datastoreItem xmlns:ds="http://schemas.openxmlformats.org/officeDocument/2006/customXml" ds:itemID="{A80A5AF1-8C57-4290-936E-5FD27C957251}">
+  <ds:schemaRefs>
+    <ds:schemaRef ds:uri="http://schemas.microsoft.com/sharepoint/v3/contenttype/forms"/>
+  </ds:schemaRefs>
+</ds:datastoreItem>
+</file>
+
+<file path=customXml/itemProps2.xml><?xml version="1.0" encoding="utf-8"?>
 <ds:datastoreItem xmlns:ds="http://schemas.openxmlformats.org/officeDocument/2006/customXml" ds:itemID="{8F8919DE-9BD9-47A9-9F5D-16EBB9687974}">
   <ds:schemaRefs>
     <ds:schemaRef ds:uri="http://schemas.microsoft.com/office/2006/metadata/contentType"/>
@@ -27040,27 +27497,19 @@
 </ds:datastoreItem>
 </file>
 
-<file path=customXml/itemProps2.xml><?xml version="1.0" encoding="utf-8"?>
-<ds:datastoreItem xmlns:ds="http://schemas.openxmlformats.org/officeDocument/2006/customXml" ds:itemID="{A80A5AF1-8C57-4290-936E-5FD27C957251}">
-  <ds:schemaRefs>
-    <ds:schemaRef ds:uri="http://schemas.microsoft.com/sharepoint/v3/contenttype/forms"/>
-  </ds:schemaRefs>
-</ds:datastoreItem>
-</file>
-
 <file path=customXml/itemProps3.xml><?xml version="1.0" encoding="utf-8"?>
 <ds:datastoreItem xmlns:ds="http://schemas.openxmlformats.org/officeDocument/2006/customXml" ds:itemID="{C87F4215-C6BB-44A3-9A5E-9446E6835900}">
   <ds:schemaRefs>
+    <ds:schemaRef ds:uri="16c05727-aa75-4e4a-9b5f-8a80a1165891"/>
+    <ds:schemaRef ds:uri="http://www.w3.org/XML/1998/namespace"/>
+    <ds:schemaRef ds:uri="http://schemas.microsoft.com/office/infopath/2007/PartnerControls"/>
     <ds:schemaRef ds:uri="http://schemas.microsoft.com/office/2006/documentManagement/types"/>
+    <ds:schemaRef ds:uri="71af3243-3dd4-4a8d-8c0d-dd76da1f02a5"/>
+    <ds:schemaRef ds:uri="http://purl.org/dc/terms/"/>
     <ds:schemaRef ds:uri="http://purl.org/dc/elements/1.1/"/>
-    <ds:schemaRef ds:uri="http://purl.org/dc/terms/"/>
-    <ds:schemaRef ds:uri="http://schemas.microsoft.com/office/infopath/2007/PartnerControls"/>
+    <ds:schemaRef ds:uri="http://schemas.microsoft.com/office/2006/metadata/properties"/>
     <ds:schemaRef ds:uri="http://purl.org/dc/dcmitype/"/>
-    <ds:schemaRef ds:uri="http://www.w3.org/XML/1998/namespace"/>
-    <ds:schemaRef ds:uri="71af3243-3dd4-4a8d-8c0d-dd76da1f02a5"/>
     <ds:schemaRef ds:uri="http://schemas.openxmlformats.org/package/2006/metadata/core-properties"/>
-    <ds:schemaRef ds:uri="16c05727-aa75-4e4a-9b5f-8a80a1165891"/>
-    <ds:schemaRef ds:uri="http://schemas.microsoft.com/office/2006/metadata/properties"/>
   </ds:schemaRefs>
 </ds:datastoreItem>
 </file>